--- a/_book/plot/pro-survey-province-1.pptx
+++ b/_book/plot/pro-survey-province-1.pptx
@@ -3218,7 +3218,7 @@
           </p:nvSpPr>
           <p:spPr>
             <a:xfrm>
-              <a:off x="3228059" y="1816528"/>
+              <a:off x="2969526" y="1816528"/>
               <a:ext cx="0" cy="3822399"/>
             </a:xfrm>
             <a:custGeom>
@@ -3261,7 +3261,7 @@
           </p:nvSpPr>
           <p:spPr>
             <a:xfrm>
-              <a:off x="5512769" y="1816528"/>
+              <a:off x="4737170" y="1816528"/>
               <a:ext cx="0" cy="3822399"/>
             </a:xfrm>
             <a:custGeom>
@@ -3304,7 +3304,7 @@
           </p:nvSpPr>
           <p:spPr>
             <a:xfrm>
-              <a:off x="7797479" y="1816528"/>
+              <a:off x="6504814" y="1816528"/>
               <a:ext cx="0" cy="3822399"/>
             </a:xfrm>
             <a:custGeom>
@@ -3347,6 +3347,49 @@
           </p:nvSpPr>
           <p:spPr>
             <a:xfrm>
+              <a:off x="8272458" y="1816528"/>
+              <a:ext cx="0" cy="3822399"/>
+            </a:xfrm>
+            <a:custGeom>
+              <a:avLst/>
+              <a:pathLst>
+                <a:path w="0" h="3822399">
+                  <a:moveTo>
+                    <a:pt x="0" y="3822399"/>
+                  </a:moveTo>
+                  <a:lnTo>
+                    <a:pt x="0" y="0"/>
+                  </a:lnTo>
+                  <a:lnTo>
+                    <a:pt x="0" y="0"/>
+                  </a:lnTo>
+                </a:path>
+              </a:pathLst>
+            </a:custGeom>
+            <a:ln w="3387" cap="flat">
+              <a:solidFill>
+                <a:srgbClr val="DEDEDE">
+                  <a:alpha val="100000"/>
+                </a:srgbClr>
+              </a:solidFill>
+              <a:prstDash val="solid"/>
+              <a:round/>
+            </a:ln>
+          </p:spPr>
+          <p:txBody>
+            <a:bodyPr/>
+            <a:lstStyle/>
+            <a:p/>
+          </p:txBody>
+        </p:sp>
+        <p:sp>
+          <p:nvSpPr>
+            <p:cNvPr id="10" name="pl10"/>
+            <p:cNvSpPr/>
+            <p:nvPr/>
+          </p:nvSpPr>
+          <p:spPr>
+            <a:xfrm>
               <a:off x="2085704" y="5525391"/>
               <a:ext cx="6851387" cy="0"/>
             </a:xfrm>
@@ -3384,7 +3427,7 @@
         </p:sp>
         <p:sp>
           <p:nvSpPr>
-            <p:cNvPr id="10" name="pl10"/>
+            <p:cNvPr id="11" name="pl11"/>
             <p:cNvSpPr/>
             <p:nvPr/>
           </p:nvSpPr>
@@ -3427,7 +3470,7 @@
         </p:sp>
         <p:sp>
           <p:nvSpPr>
-            <p:cNvPr id="11" name="pl11"/>
+            <p:cNvPr id="12" name="pl12"/>
             <p:cNvSpPr/>
             <p:nvPr/>
           </p:nvSpPr>
@@ -3470,7 +3513,7 @@
         </p:sp>
         <p:sp>
           <p:nvSpPr>
-            <p:cNvPr id="12" name="pl12"/>
+            <p:cNvPr id="13" name="pl13"/>
             <p:cNvSpPr/>
             <p:nvPr/>
           </p:nvSpPr>
@@ -3513,7 +3556,7 @@
         </p:sp>
         <p:sp>
           <p:nvSpPr>
-            <p:cNvPr id="13" name="pl13"/>
+            <p:cNvPr id="14" name="pl14"/>
             <p:cNvSpPr/>
             <p:nvPr/>
           </p:nvSpPr>
@@ -3556,7 +3599,7 @@
         </p:sp>
         <p:sp>
           <p:nvSpPr>
-            <p:cNvPr id="14" name="pl14"/>
+            <p:cNvPr id="15" name="pl15"/>
             <p:cNvSpPr/>
             <p:nvPr/>
           </p:nvSpPr>
@@ -3599,7 +3642,7 @@
         </p:sp>
         <p:sp>
           <p:nvSpPr>
-            <p:cNvPr id="15" name="pl15"/>
+            <p:cNvPr id="16" name="pl16"/>
             <p:cNvSpPr/>
             <p:nvPr/>
           </p:nvSpPr>
@@ -3642,7 +3685,7 @@
         </p:sp>
         <p:sp>
           <p:nvSpPr>
-            <p:cNvPr id="16" name="pl16"/>
+            <p:cNvPr id="17" name="pl17"/>
             <p:cNvSpPr/>
             <p:nvPr/>
           </p:nvSpPr>
@@ -3685,7 +3728,7 @@
         </p:sp>
         <p:sp>
           <p:nvSpPr>
-            <p:cNvPr id="17" name="pl17"/>
+            <p:cNvPr id="18" name="pl18"/>
             <p:cNvSpPr/>
             <p:nvPr/>
           </p:nvSpPr>
@@ -3728,7 +3771,7 @@
         </p:sp>
         <p:sp>
           <p:nvSpPr>
-            <p:cNvPr id="18" name="pl18"/>
+            <p:cNvPr id="19" name="pl19"/>
             <p:cNvSpPr/>
             <p:nvPr/>
           </p:nvSpPr>
@@ -3771,7 +3814,7 @@
         </p:sp>
         <p:sp>
           <p:nvSpPr>
-            <p:cNvPr id="19" name="pl19"/>
+            <p:cNvPr id="20" name="pl20"/>
             <p:cNvSpPr/>
             <p:nvPr/>
           </p:nvSpPr>
@@ -3814,7 +3857,7 @@
         </p:sp>
         <p:sp>
           <p:nvSpPr>
-            <p:cNvPr id="20" name="pl20"/>
+            <p:cNvPr id="21" name="pl21"/>
             <p:cNvSpPr/>
             <p:nvPr/>
           </p:nvSpPr>
@@ -3857,7 +3900,7 @@
         </p:sp>
         <p:sp>
           <p:nvSpPr>
-            <p:cNvPr id="21" name="pl21"/>
+            <p:cNvPr id="22" name="pl22"/>
             <p:cNvSpPr/>
             <p:nvPr/>
           </p:nvSpPr>
@@ -3900,7 +3943,7 @@
         </p:sp>
         <p:sp>
           <p:nvSpPr>
-            <p:cNvPr id="22" name="pl22"/>
+            <p:cNvPr id="23" name="pl23"/>
             <p:cNvSpPr/>
             <p:nvPr/>
           </p:nvSpPr>
@@ -3943,7 +3986,7 @@
         </p:sp>
         <p:sp>
           <p:nvSpPr>
-            <p:cNvPr id="23" name="pl23"/>
+            <p:cNvPr id="24" name="pl24"/>
             <p:cNvSpPr/>
             <p:nvPr/>
           </p:nvSpPr>
@@ -3986,7 +4029,7 @@
         </p:sp>
         <p:sp>
           <p:nvSpPr>
-            <p:cNvPr id="24" name="pl24"/>
+            <p:cNvPr id="25" name="pl25"/>
             <p:cNvSpPr/>
             <p:nvPr/>
           </p:nvSpPr>
@@ -4029,7 +4072,7 @@
         </p:sp>
         <p:sp>
           <p:nvSpPr>
-            <p:cNvPr id="25" name="pl25"/>
+            <p:cNvPr id="26" name="pl26"/>
             <p:cNvSpPr/>
             <p:nvPr/>
           </p:nvSpPr>
@@ -4072,7 +4115,7 @@
         </p:sp>
         <p:sp>
           <p:nvSpPr>
-            <p:cNvPr id="26" name="pl26"/>
+            <p:cNvPr id="27" name="pl27"/>
             <p:cNvSpPr/>
             <p:nvPr/>
           </p:nvSpPr>
@@ -4115,7 +4158,7 @@
         </p:sp>
         <p:sp>
           <p:nvSpPr>
-            <p:cNvPr id="27" name="pl27"/>
+            <p:cNvPr id="28" name="pl28"/>
             <p:cNvSpPr/>
             <p:nvPr/>
           </p:nvSpPr>
@@ -4158,7 +4201,7 @@
         </p:sp>
         <p:sp>
           <p:nvSpPr>
-            <p:cNvPr id="28" name="pl28"/>
+            <p:cNvPr id="29" name="pl29"/>
             <p:cNvSpPr/>
             <p:nvPr/>
           </p:nvSpPr>
@@ -4201,7 +4244,7 @@
         </p:sp>
         <p:sp>
           <p:nvSpPr>
-            <p:cNvPr id="29" name="pl29"/>
+            <p:cNvPr id="30" name="pl30"/>
             <p:cNvSpPr/>
             <p:nvPr/>
           </p:nvSpPr>
@@ -4244,13 +4287,13 @@
         </p:sp>
         <p:sp>
           <p:nvSpPr>
-            <p:cNvPr id="30" name="pl30"/>
-            <p:cNvSpPr/>
-            <p:nvPr/>
-          </p:nvSpPr>
-          <p:spPr>
-            <a:xfrm>
-              <a:off x="4370414" y="1816528"/>
+            <p:cNvPr id="31" name="pl31"/>
+            <p:cNvSpPr/>
+            <p:nvPr/>
+          </p:nvSpPr>
+          <p:spPr>
+            <a:xfrm>
+              <a:off x="3853348" y="1816528"/>
               <a:ext cx="0" cy="3822399"/>
             </a:xfrm>
             <a:custGeom>
@@ -4287,13 +4330,13 @@
         </p:sp>
         <p:sp>
           <p:nvSpPr>
-            <p:cNvPr id="31" name="pl31"/>
-            <p:cNvSpPr/>
-            <p:nvPr/>
-          </p:nvSpPr>
-          <p:spPr>
-            <a:xfrm>
-              <a:off x="6655124" y="1816528"/>
+            <p:cNvPr id="32" name="pl32"/>
+            <p:cNvSpPr/>
+            <p:nvPr/>
+          </p:nvSpPr>
+          <p:spPr>
+            <a:xfrm>
+              <a:off x="5620992" y="1816528"/>
               <a:ext cx="0" cy="3822399"/>
             </a:xfrm>
             <a:custGeom>
@@ -4330,7 +4373,50 @@
         </p:sp>
         <p:sp>
           <p:nvSpPr>
-            <p:cNvPr id="32" name="rc32"/>
+            <p:cNvPr id="33" name="pl33"/>
+            <p:cNvSpPr/>
+            <p:nvPr/>
+          </p:nvSpPr>
+          <p:spPr>
+            <a:xfrm>
+              <a:off x="7388636" y="1816528"/>
+              <a:ext cx="0" cy="3822399"/>
+            </a:xfrm>
+            <a:custGeom>
+              <a:avLst/>
+              <a:pathLst>
+                <a:path w="0" h="3822399">
+                  <a:moveTo>
+                    <a:pt x="0" y="3822399"/>
+                  </a:moveTo>
+                  <a:lnTo>
+                    <a:pt x="0" y="0"/>
+                  </a:lnTo>
+                  <a:lnTo>
+                    <a:pt x="0" y="0"/>
+                  </a:lnTo>
+                </a:path>
+              </a:pathLst>
+            </a:custGeom>
+            <a:ln w="6775" cap="flat">
+              <a:solidFill>
+                <a:srgbClr val="DEDEDE">
+                  <a:alpha val="100000"/>
+                </a:srgbClr>
+              </a:solidFill>
+              <a:prstDash val="solid"/>
+              <a:round/>
+            </a:ln>
+          </p:spPr>
+          <p:txBody>
+            <a:bodyPr/>
+            <a:lstStyle/>
+            <a:p/>
+          </p:txBody>
+        </p:sp>
+        <p:sp>
+          <p:nvSpPr>
+            <p:cNvPr id="34" name="rc34"/>
             <p:cNvSpPr/>
             <p:nvPr/>
           </p:nvSpPr>
@@ -4356,14 +4442,14 @@
         </p:sp>
         <p:sp>
           <p:nvSpPr>
-            <p:cNvPr id="33" name="rc33"/>
+            <p:cNvPr id="35" name="rc35"/>
             <p:cNvSpPr/>
             <p:nvPr/>
           </p:nvSpPr>
           <p:spPr>
             <a:xfrm>
               <a:off x="2085704" y="2034140"/>
-              <a:ext cx="3198593" cy="170304"/>
+              <a:ext cx="3535287" cy="170304"/>
             </a:xfrm>
             <a:prstGeom prst="rect">
               <a:avLst/>
@@ -4382,14 +4468,14 @@
         </p:sp>
         <p:sp>
           <p:nvSpPr>
-            <p:cNvPr id="34" name="rc34"/>
+            <p:cNvPr id="36" name="rc36"/>
             <p:cNvSpPr/>
             <p:nvPr/>
           </p:nvSpPr>
           <p:spPr>
             <a:xfrm>
               <a:off x="2085704" y="2223367"/>
-              <a:ext cx="2741651" cy="170304"/>
+              <a:ext cx="3499934" cy="170304"/>
             </a:xfrm>
             <a:prstGeom prst="rect">
               <a:avLst/>
@@ -4408,14 +4494,14 @@
         </p:sp>
         <p:sp>
           <p:nvSpPr>
-            <p:cNvPr id="35" name="rc35"/>
+            <p:cNvPr id="37" name="rc37"/>
             <p:cNvSpPr/>
             <p:nvPr/>
           </p:nvSpPr>
           <p:spPr>
             <a:xfrm>
               <a:off x="2085704" y="2412595"/>
-              <a:ext cx="2741651" cy="170304"/>
+              <a:ext cx="3146406" cy="170304"/>
             </a:xfrm>
             <a:prstGeom prst="rect">
               <a:avLst/>
@@ -4434,14 +4520,14 @@
         </p:sp>
         <p:sp>
           <p:nvSpPr>
-            <p:cNvPr id="36" name="rc36"/>
+            <p:cNvPr id="38" name="rc38"/>
             <p:cNvSpPr/>
             <p:nvPr/>
           </p:nvSpPr>
           <p:spPr>
             <a:xfrm>
               <a:off x="2085704" y="2601823"/>
-              <a:ext cx="2513180" cy="170304"/>
+              <a:ext cx="2191878" cy="170304"/>
             </a:xfrm>
             <a:prstGeom prst="rect">
               <a:avLst/>
@@ -4460,14 +4546,14 @@
         </p:sp>
         <p:sp>
           <p:nvSpPr>
-            <p:cNvPr id="37" name="rc37"/>
+            <p:cNvPr id="39" name="rc39"/>
             <p:cNvSpPr/>
             <p:nvPr/>
           </p:nvSpPr>
           <p:spPr>
             <a:xfrm>
               <a:off x="2085704" y="2791051"/>
-              <a:ext cx="2239015" cy="170304"/>
+              <a:ext cx="2156525" cy="170304"/>
             </a:xfrm>
             <a:prstGeom prst="rect">
               <a:avLst/>
@@ -4486,14 +4572,14 @@
         </p:sp>
         <p:sp>
           <p:nvSpPr>
-            <p:cNvPr id="38" name="rc38"/>
+            <p:cNvPr id="40" name="rc40"/>
             <p:cNvSpPr/>
             <p:nvPr/>
           </p:nvSpPr>
           <p:spPr>
             <a:xfrm>
               <a:off x="2085704" y="2980278"/>
-              <a:ext cx="1507908" cy="170304"/>
+              <a:ext cx="1414115" cy="170304"/>
             </a:xfrm>
             <a:prstGeom prst="rect">
               <a:avLst/>
@@ -4512,14 +4598,14 @@
         </p:sp>
         <p:sp>
           <p:nvSpPr>
-            <p:cNvPr id="39" name="rc39"/>
+            <p:cNvPr id="41" name="rc41"/>
             <p:cNvSpPr/>
             <p:nvPr/>
           </p:nvSpPr>
           <p:spPr>
             <a:xfrm>
               <a:off x="2085704" y="3169506"/>
-              <a:ext cx="1370825" cy="170304"/>
+              <a:ext cx="1378762" cy="170304"/>
             </a:xfrm>
             <a:prstGeom prst="rect">
               <a:avLst/>
@@ -4538,14 +4624,14 @@
         </p:sp>
         <p:sp>
           <p:nvSpPr>
-            <p:cNvPr id="40" name="rc40"/>
+            <p:cNvPr id="42" name="rc42"/>
             <p:cNvSpPr/>
             <p:nvPr/>
           </p:nvSpPr>
           <p:spPr>
             <a:xfrm>
               <a:off x="2085704" y="3358734"/>
-              <a:ext cx="1370825" cy="170304"/>
+              <a:ext cx="1166644" cy="170304"/>
             </a:xfrm>
             <a:prstGeom prst="rect">
               <a:avLst/>
@@ -4564,14 +4650,14 @@
         </p:sp>
         <p:sp>
           <p:nvSpPr>
-            <p:cNvPr id="41" name="rc41"/>
+            <p:cNvPr id="43" name="rc43"/>
             <p:cNvSpPr/>
             <p:nvPr/>
           </p:nvSpPr>
           <p:spPr>
             <a:xfrm>
               <a:off x="2085704" y="3547961"/>
-              <a:ext cx="959578" cy="170304"/>
+              <a:ext cx="1131292" cy="170304"/>
             </a:xfrm>
             <a:prstGeom prst="rect">
               <a:avLst/>
@@ -4590,14 +4676,14 @@
         </p:sp>
         <p:sp>
           <p:nvSpPr>
-            <p:cNvPr id="42" name="rc42"/>
+            <p:cNvPr id="44" name="rc44"/>
             <p:cNvSpPr/>
             <p:nvPr/>
           </p:nvSpPr>
           <p:spPr>
             <a:xfrm>
               <a:off x="2085704" y="3737189"/>
-              <a:ext cx="913883" cy="170304"/>
+              <a:ext cx="1025233" cy="170304"/>
             </a:xfrm>
             <a:prstGeom prst="rect">
               <a:avLst/>
@@ -4616,14 +4702,14 @@
         </p:sp>
         <p:sp>
           <p:nvSpPr>
-            <p:cNvPr id="43" name="rc43"/>
+            <p:cNvPr id="45" name="rc45"/>
             <p:cNvSpPr/>
             <p:nvPr/>
           </p:nvSpPr>
           <p:spPr>
             <a:xfrm>
               <a:off x="2085704" y="3926417"/>
-              <a:ext cx="776801" cy="170304"/>
+              <a:ext cx="1025233" cy="170304"/>
             </a:xfrm>
             <a:prstGeom prst="rect">
               <a:avLst/>
@@ -4642,14 +4728,14 @@
         </p:sp>
         <p:sp>
           <p:nvSpPr>
-            <p:cNvPr id="44" name="rc44"/>
+            <p:cNvPr id="46" name="rc46"/>
             <p:cNvSpPr/>
             <p:nvPr/>
           </p:nvSpPr>
           <p:spPr>
             <a:xfrm>
               <a:off x="2085704" y="4115644"/>
-              <a:ext cx="639718" cy="170304"/>
+              <a:ext cx="742410" cy="170304"/>
             </a:xfrm>
             <a:prstGeom prst="rect">
               <a:avLst/>
@@ -4668,14 +4754,14 @@
         </p:sp>
         <p:sp>
           <p:nvSpPr>
-            <p:cNvPr id="45" name="rc45"/>
+            <p:cNvPr id="47" name="rc47"/>
             <p:cNvSpPr/>
             <p:nvPr/>
           </p:nvSpPr>
           <p:spPr>
             <a:xfrm>
               <a:off x="2085704" y="4304872"/>
-              <a:ext cx="502636" cy="170304"/>
+              <a:ext cx="600998" cy="170304"/>
             </a:xfrm>
             <a:prstGeom prst="rect">
               <a:avLst/>
@@ -4694,14 +4780,14 @@
         </p:sp>
         <p:sp>
           <p:nvSpPr>
-            <p:cNvPr id="46" name="rc46"/>
+            <p:cNvPr id="48" name="rc48"/>
             <p:cNvSpPr/>
             <p:nvPr/>
           </p:nvSpPr>
           <p:spPr>
             <a:xfrm>
               <a:off x="2085704" y="4494100"/>
-              <a:ext cx="502636" cy="170304"/>
+              <a:ext cx="565646" cy="170304"/>
             </a:xfrm>
             <a:prstGeom prst="rect">
               <a:avLst/>
@@ -4720,14 +4806,14 @@
         </p:sp>
         <p:sp>
           <p:nvSpPr>
-            <p:cNvPr id="47" name="rc47"/>
+            <p:cNvPr id="49" name="rc49"/>
             <p:cNvSpPr/>
             <p:nvPr/>
           </p:nvSpPr>
           <p:spPr>
             <a:xfrm>
               <a:off x="2085704" y="4683328"/>
-              <a:ext cx="502636" cy="170304"/>
+              <a:ext cx="530293" cy="170304"/>
             </a:xfrm>
             <a:prstGeom prst="rect">
               <a:avLst/>
@@ -4746,14 +4832,14 @@
         </p:sp>
         <p:sp>
           <p:nvSpPr>
-            <p:cNvPr id="48" name="rc48"/>
+            <p:cNvPr id="50" name="rc50"/>
             <p:cNvSpPr/>
             <p:nvPr/>
           </p:nvSpPr>
           <p:spPr>
             <a:xfrm>
               <a:off x="2085704" y="4872555"/>
-              <a:ext cx="456941" cy="170304"/>
+              <a:ext cx="530293" cy="170304"/>
             </a:xfrm>
             <a:prstGeom prst="rect">
               <a:avLst/>
@@ -4772,14 +4858,14 @@
         </p:sp>
         <p:sp>
           <p:nvSpPr>
-            <p:cNvPr id="49" name="rc49"/>
+            <p:cNvPr id="51" name="rc51"/>
             <p:cNvSpPr/>
             <p:nvPr/>
           </p:nvSpPr>
           <p:spPr>
             <a:xfrm>
               <a:off x="2085704" y="5061783"/>
-              <a:ext cx="456941" cy="170304"/>
+              <a:ext cx="494940" cy="170304"/>
             </a:xfrm>
             <a:prstGeom prst="rect">
               <a:avLst/>
@@ -4798,14 +4884,14 @@
         </p:sp>
         <p:sp>
           <p:nvSpPr>
-            <p:cNvPr id="50" name="rc50"/>
+            <p:cNvPr id="52" name="rc52"/>
             <p:cNvSpPr/>
             <p:nvPr/>
           </p:nvSpPr>
           <p:spPr>
             <a:xfrm>
               <a:off x="2085704" y="5251011"/>
-              <a:ext cx="411247" cy="170304"/>
+              <a:ext cx="494940" cy="170304"/>
             </a:xfrm>
             <a:prstGeom prst="rect">
               <a:avLst/>
@@ -4824,14 +4910,14 @@
         </p:sp>
         <p:sp>
           <p:nvSpPr>
-            <p:cNvPr id="51" name="rc51"/>
+            <p:cNvPr id="53" name="rc53"/>
             <p:cNvSpPr/>
             <p:nvPr/>
           </p:nvSpPr>
           <p:spPr>
             <a:xfrm>
               <a:off x="2085704" y="5440238"/>
-              <a:ext cx="411247" cy="170304"/>
+              <a:ext cx="388881" cy="170304"/>
             </a:xfrm>
             <a:prstGeom prst="rect">
               <a:avLst/>
@@ -4850,13 +4936,13 @@
         </p:sp>
         <p:sp>
           <p:nvSpPr>
-            <p:cNvPr id="52" name="tx52"/>
-            <p:cNvSpPr/>
-            <p:nvPr/>
-          </p:nvSpPr>
-          <p:spPr>
-            <a:xfrm>
-              <a:off x="8482499" y="1885591"/>
+            <p:cNvPr id="54" name="tx54"/>
+            <p:cNvSpPr/>
+            <p:nvPr/>
+          </p:nvSpPr>
+          <p:spPr>
+            <a:xfrm>
+              <a:off x="8481939" y="1885591"/>
               <a:ext cx="162607" cy="67753"/>
             </a:xfrm>
             <a:prstGeom prst="rect">
@@ -4896,13 +4982,105 @@
         </p:sp>
         <p:sp>
           <p:nvSpPr>
-            <p:cNvPr id="53" name="tx53"/>
-            <p:cNvSpPr/>
-            <p:nvPr/>
-          </p:nvSpPr>
-          <p:spPr>
-            <a:xfrm>
-              <a:off x="5441943" y="2090338"/>
+            <p:cNvPr id="55" name="tx55"/>
+            <p:cNvSpPr/>
+            <p:nvPr/>
+          </p:nvSpPr>
+          <p:spPr>
+            <a:xfrm>
+              <a:off x="5300180" y="2074819"/>
+              <a:ext cx="162607" cy="67753"/>
+            </a:xfrm>
+            <a:prstGeom prst="rect">
+              <a:avLst/>
+            </a:prstGeom>
+            <a:noFill/>
+          </p:spPr>
+          <p:txBody>
+            <a:bodyPr lIns="0" rIns="0" tIns="0" bIns="0" anchorCtr="1" anchor="ctr" wrap="none"/>
+            <a:lstStyle/>
+            <a:p>
+              <a:pPr algn="l" marL="0" marR="0" indent="0">
+                <a:lnSpc>
+                  <a:spcPts val="853"/>
+                </a:lnSpc>
+                <a:spcBef>
+                  <a:spcPts val="0"/>
+                </a:spcBef>
+                <a:spcAft>
+                  <a:spcPts val="0"/>
+                </a:spcAft>
+              </a:pPr>
+              <a:r>
+                <a:rPr sz="853" b="1">
+                  <a:solidFill>
+                    <a:srgbClr val="FFFFFF">
+                      <a:alpha val="100000"/>
+                    </a:srgbClr>
+                  </a:solidFill>
+                  <a:latin typeface="Arial"/>
+                  <a:cs typeface="Arial"/>
+                </a:rPr>
+                <a:t>广东</a:t>
+              </a:r>
+            </a:p>
+          </p:txBody>
+        </p:sp>
+        <p:sp>
+          <p:nvSpPr>
+            <p:cNvPr id="56" name="tx56"/>
+            <p:cNvSpPr/>
+            <p:nvPr/>
+          </p:nvSpPr>
+          <p:spPr>
+            <a:xfrm>
+              <a:off x="5264828" y="2264046"/>
+              <a:ext cx="162607" cy="67753"/>
+            </a:xfrm>
+            <a:prstGeom prst="rect">
+              <a:avLst/>
+            </a:prstGeom>
+            <a:noFill/>
+          </p:spPr>
+          <p:txBody>
+            <a:bodyPr lIns="0" rIns="0" tIns="0" bIns="0" anchorCtr="1" anchor="ctr" wrap="none"/>
+            <a:lstStyle/>
+            <a:p>
+              <a:pPr algn="l" marL="0" marR="0" indent="0">
+                <a:lnSpc>
+                  <a:spcPts val="853"/>
+                </a:lnSpc>
+                <a:spcBef>
+                  <a:spcPts val="0"/>
+                </a:spcBef>
+                <a:spcAft>
+                  <a:spcPts val="0"/>
+                </a:spcAft>
+              </a:pPr>
+              <a:r>
+                <a:rPr sz="853" b="1">
+                  <a:solidFill>
+                    <a:srgbClr val="FFFFFF">
+                      <a:alpha val="100000"/>
+                    </a:srgbClr>
+                  </a:solidFill>
+                  <a:latin typeface="Arial"/>
+                  <a:cs typeface="Arial"/>
+                </a:rPr>
+                <a:t>江苏</a:t>
+              </a:r>
+            </a:p>
+          </p:txBody>
+        </p:sp>
+        <p:sp>
+          <p:nvSpPr>
+            <p:cNvPr id="57" name="tx57"/>
+            <p:cNvSpPr/>
+            <p:nvPr/>
+          </p:nvSpPr>
+          <p:spPr>
+            <a:xfrm>
+              <a:off x="5390315" y="2468794"/>
               <a:ext cx="162607" cy="67753"/>
             </a:xfrm>
             <a:prstGeom prst="rect">
@@ -4935,20 +5113,20 @@
                   <a:latin typeface="Arial"/>
                   <a:cs typeface="Arial"/>
                 </a:rPr>
-                <a:t>广东</a:t>
+                <a:t>其它</a:t>
               </a:r>
             </a:p>
           </p:txBody>
         </p:sp>
         <p:sp>
           <p:nvSpPr>
-            <p:cNvPr id="54" name="tx54"/>
-            <p:cNvSpPr/>
-            <p:nvPr/>
-          </p:nvSpPr>
-          <p:spPr>
-            <a:xfrm>
-              <a:off x="4985001" y="2279566"/>
+            <p:cNvPr id="58" name="tx58"/>
+            <p:cNvSpPr/>
+            <p:nvPr/>
+          </p:nvSpPr>
+          <p:spPr>
+            <a:xfrm>
+              <a:off x="4435787" y="2658021"/>
               <a:ext cx="162607" cy="67753"/>
             </a:xfrm>
             <a:prstGeom prst="rect">
@@ -4988,105 +5166,13 @@
         </p:sp>
         <p:sp>
           <p:nvSpPr>
-            <p:cNvPr id="55" name="tx55"/>
-            <p:cNvSpPr/>
-            <p:nvPr/>
-          </p:nvSpPr>
-          <p:spPr>
-            <a:xfrm>
-              <a:off x="4985001" y="2468794"/>
-              <a:ext cx="162607" cy="67753"/>
-            </a:xfrm>
-            <a:prstGeom prst="rect">
-              <a:avLst/>
-            </a:prstGeom>
-            <a:noFill/>
-          </p:spPr>
-          <p:txBody>
-            <a:bodyPr lIns="0" rIns="0" tIns="0" bIns="0" anchorCtr="1" anchor="ctr" wrap="none"/>
-            <a:lstStyle/>
-            <a:p>
-              <a:pPr algn="l" marL="0" marR="0" indent="0">
-                <a:lnSpc>
-                  <a:spcPts val="853"/>
-                </a:lnSpc>
-                <a:spcBef>
-                  <a:spcPts val="0"/>
-                </a:spcBef>
-                <a:spcAft>
-                  <a:spcPts val="0"/>
-                </a:spcAft>
-              </a:pPr>
-              <a:r>
-                <a:rPr sz="853">
-                  <a:solidFill>
-                    <a:srgbClr val="000000">
-                      <a:alpha val="100000"/>
-                    </a:srgbClr>
-                  </a:solidFill>
-                  <a:latin typeface="Arial"/>
-                  <a:cs typeface="Arial"/>
-                </a:rPr>
-                <a:t>其它</a:t>
-              </a:r>
-            </a:p>
-          </p:txBody>
-        </p:sp>
-        <p:sp>
-          <p:nvSpPr>
-            <p:cNvPr id="56" name="tx56"/>
-            <p:cNvSpPr/>
-            <p:nvPr/>
-          </p:nvSpPr>
-          <p:spPr>
-            <a:xfrm>
-              <a:off x="4756530" y="2658021"/>
-              <a:ext cx="162607" cy="67753"/>
-            </a:xfrm>
-            <a:prstGeom prst="rect">
-              <a:avLst/>
-            </a:prstGeom>
-            <a:noFill/>
-          </p:spPr>
-          <p:txBody>
-            <a:bodyPr lIns="0" rIns="0" tIns="0" bIns="0" anchorCtr="1" anchor="ctr" wrap="none"/>
-            <a:lstStyle/>
-            <a:p>
-              <a:pPr algn="l" marL="0" marR="0" indent="0">
-                <a:lnSpc>
-                  <a:spcPts val="853"/>
-                </a:lnSpc>
-                <a:spcBef>
-                  <a:spcPts val="0"/>
-                </a:spcBef>
-                <a:spcAft>
-                  <a:spcPts val="0"/>
-                </a:spcAft>
-              </a:pPr>
-              <a:r>
-                <a:rPr sz="853">
-                  <a:solidFill>
-                    <a:srgbClr val="000000">
-                      <a:alpha val="100000"/>
-                    </a:srgbClr>
-                  </a:solidFill>
-                  <a:latin typeface="Arial"/>
-                  <a:cs typeface="Arial"/>
-                </a:rPr>
-                <a:t>江苏</a:t>
-              </a:r>
-            </a:p>
-          </p:txBody>
-        </p:sp>
-        <p:sp>
-          <p:nvSpPr>
-            <p:cNvPr id="57" name="tx57"/>
-            <p:cNvSpPr/>
-            <p:nvPr/>
-          </p:nvSpPr>
-          <p:spPr>
-            <a:xfrm>
-              <a:off x="4482365" y="2847249"/>
+            <p:cNvPr id="59" name="tx59"/>
+            <p:cNvSpPr/>
+            <p:nvPr/>
+          </p:nvSpPr>
+          <p:spPr>
+            <a:xfrm>
+              <a:off x="4400434" y="2847249"/>
               <a:ext cx="162607" cy="67753"/>
             </a:xfrm>
             <a:prstGeom prst="rect">
@@ -5126,13 +5212,13 @@
         </p:sp>
         <p:sp>
           <p:nvSpPr>
-            <p:cNvPr id="58" name="tx58"/>
-            <p:cNvSpPr/>
-            <p:nvPr/>
-          </p:nvSpPr>
-          <p:spPr>
-            <a:xfrm>
-              <a:off x="3751258" y="3036477"/>
+            <p:cNvPr id="60" name="tx60"/>
+            <p:cNvSpPr/>
+            <p:nvPr/>
+          </p:nvSpPr>
+          <p:spPr>
+            <a:xfrm>
+              <a:off x="3658024" y="3036477"/>
               <a:ext cx="162607" cy="67753"/>
             </a:xfrm>
             <a:prstGeom prst="rect">
@@ -5172,13 +5258,59 @@
         </p:sp>
         <p:sp>
           <p:nvSpPr>
-            <p:cNvPr id="59" name="tx59"/>
-            <p:cNvSpPr/>
-            <p:nvPr/>
-          </p:nvSpPr>
-          <p:spPr>
-            <a:xfrm>
-              <a:off x="3614175" y="3225705"/>
+            <p:cNvPr id="61" name="tx61"/>
+            <p:cNvSpPr/>
+            <p:nvPr/>
+          </p:nvSpPr>
+          <p:spPr>
+            <a:xfrm>
+              <a:off x="3622671" y="3225705"/>
+              <a:ext cx="162607" cy="67753"/>
+            </a:xfrm>
+            <a:prstGeom prst="rect">
+              <a:avLst/>
+            </a:prstGeom>
+            <a:noFill/>
+          </p:spPr>
+          <p:txBody>
+            <a:bodyPr lIns="0" rIns="0" tIns="0" bIns="0" anchorCtr="1" anchor="ctr" wrap="none"/>
+            <a:lstStyle/>
+            <a:p>
+              <a:pPr algn="l" marL="0" marR="0" indent="0">
+                <a:lnSpc>
+                  <a:spcPts val="853"/>
+                </a:lnSpc>
+                <a:spcBef>
+                  <a:spcPts val="0"/>
+                </a:spcBef>
+                <a:spcAft>
+                  <a:spcPts val="0"/>
+                </a:spcAft>
+              </a:pPr>
+              <a:r>
+                <a:rPr sz="853">
+                  <a:solidFill>
+                    <a:srgbClr val="000000">
+                      <a:alpha val="100000"/>
+                    </a:srgbClr>
+                  </a:solidFill>
+                  <a:latin typeface="Arial"/>
+                  <a:cs typeface="Arial"/>
+                </a:rPr>
+                <a:t>湖北</a:t>
+              </a:r>
+            </a:p>
+          </p:txBody>
+        </p:sp>
+        <p:sp>
+          <p:nvSpPr>
+            <p:cNvPr id="62" name="tx62"/>
+            <p:cNvSpPr/>
+            <p:nvPr/>
+          </p:nvSpPr>
+          <p:spPr>
+            <a:xfrm>
+              <a:off x="3410553" y="3414932"/>
               <a:ext cx="162607" cy="67753"/>
             </a:xfrm>
             <a:prstGeom prst="rect">
@@ -5218,13 +5350,13 @@
         </p:sp>
         <p:sp>
           <p:nvSpPr>
-            <p:cNvPr id="60" name="tx60"/>
-            <p:cNvSpPr/>
-            <p:nvPr/>
-          </p:nvSpPr>
-          <p:spPr>
-            <a:xfrm>
-              <a:off x="3614175" y="3414932"/>
+            <p:cNvPr id="63" name="tx63"/>
+            <p:cNvSpPr/>
+            <p:nvPr/>
+          </p:nvSpPr>
+          <p:spPr>
+            <a:xfrm>
+              <a:off x="3375201" y="3604160"/>
               <a:ext cx="162607" cy="67753"/>
             </a:xfrm>
             <a:prstGeom prst="rect">
@@ -5257,20 +5389,20 @@
                   <a:latin typeface="Arial"/>
                   <a:cs typeface="Arial"/>
                 </a:rPr>
-                <a:t>湖北</a:t>
+                <a:t>山东</a:t>
               </a:r>
             </a:p>
           </p:txBody>
         </p:sp>
         <p:sp>
           <p:nvSpPr>
-            <p:cNvPr id="61" name="tx61"/>
-            <p:cNvSpPr/>
-            <p:nvPr/>
-          </p:nvSpPr>
-          <p:spPr>
-            <a:xfrm>
-              <a:off x="3202927" y="3604160"/>
+            <p:cNvPr id="64" name="tx64"/>
+            <p:cNvSpPr/>
+            <p:nvPr/>
+          </p:nvSpPr>
+          <p:spPr>
+            <a:xfrm>
+              <a:off x="3269142" y="3793388"/>
               <a:ext cx="162607" cy="67753"/>
             </a:xfrm>
             <a:prstGeom prst="rect">
@@ -5310,59 +5442,13 @@
         </p:sp>
         <p:sp>
           <p:nvSpPr>
-            <p:cNvPr id="62" name="tx62"/>
-            <p:cNvSpPr/>
-            <p:nvPr/>
-          </p:nvSpPr>
-          <p:spPr>
-            <a:xfrm>
-              <a:off x="3157233" y="3793388"/>
-              <a:ext cx="162607" cy="67753"/>
-            </a:xfrm>
-            <a:prstGeom prst="rect">
-              <a:avLst/>
-            </a:prstGeom>
-            <a:noFill/>
-          </p:spPr>
-          <p:txBody>
-            <a:bodyPr lIns="0" rIns="0" tIns="0" bIns="0" anchorCtr="1" anchor="ctr" wrap="none"/>
-            <a:lstStyle/>
-            <a:p>
-              <a:pPr algn="l" marL="0" marR="0" indent="0">
-                <a:lnSpc>
-                  <a:spcPts val="853"/>
-                </a:lnSpc>
-                <a:spcBef>
-                  <a:spcPts val="0"/>
-                </a:spcBef>
-                <a:spcAft>
-                  <a:spcPts val="0"/>
-                </a:spcAft>
-              </a:pPr>
-              <a:r>
-                <a:rPr sz="853">
-                  <a:solidFill>
-                    <a:srgbClr val="000000">
-                      <a:alpha val="100000"/>
-                    </a:srgbClr>
-                  </a:solidFill>
-                  <a:latin typeface="Arial"/>
-                  <a:cs typeface="Arial"/>
-                </a:rPr>
-                <a:t>山东</a:t>
-              </a:r>
-            </a:p>
-          </p:txBody>
-        </p:sp>
-        <p:sp>
-          <p:nvSpPr>
-            <p:cNvPr id="63" name="tx63"/>
-            <p:cNvSpPr/>
-            <p:nvPr/>
-          </p:nvSpPr>
-          <p:spPr>
-            <a:xfrm>
-              <a:off x="3020151" y="3982615"/>
+            <p:cNvPr id="65" name="tx65"/>
+            <p:cNvSpPr/>
+            <p:nvPr/>
+          </p:nvSpPr>
+          <p:spPr>
+            <a:xfrm>
+              <a:off x="3269142" y="3982615"/>
               <a:ext cx="243911" cy="67753"/>
             </a:xfrm>
             <a:prstGeom prst="rect">
@@ -5402,13 +5488,13 @@
         </p:sp>
         <p:sp>
           <p:nvSpPr>
-            <p:cNvPr id="64" name="tx64"/>
-            <p:cNvSpPr/>
-            <p:nvPr/>
-          </p:nvSpPr>
-          <p:spPr>
-            <a:xfrm>
-              <a:off x="2883068" y="4171843"/>
+            <p:cNvPr id="66" name="tx66"/>
+            <p:cNvSpPr/>
+            <p:nvPr/>
+          </p:nvSpPr>
+          <p:spPr>
+            <a:xfrm>
+              <a:off x="2986319" y="4171843"/>
               <a:ext cx="162607" cy="67753"/>
             </a:xfrm>
             <a:prstGeom prst="rect">
@@ -5448,13 +5534,151 @@
         </p:sp>
         <p:sp>
           <p:nvSpPr>
-            <p:cNvPr id="65" name="tx65"/>
-            <p:cNvSpPr/>
-            <p:nvPr/>
-          </p:nvSpPr>
-          <p:spPr>
-            <a:xfrm>
-              <a:off x="2745985" y="4361071"/>
+            <p:cNvPr id="67" name="tx67"/>
+            <p:cNvSpPr/>
+            <p:nvPr/>
+          </p:nvSpPr>
+          <p:spPr>
+            <a:xfrm>
+              <a:off x="2844907" y="4361071"/>
+              <a:ext cx="162607" cy="67753"/>
+            </a:xfrm>
+            <a:prstGeom prst="rect">
+              <a:avLst/>
+            </a:prstGeom>
+            <a:noFill/>
+          </p:spPr>
+          <p:txBody>
+            <a:bodyPr lIns="0" rIns="0" tIns="0" bIns="0" anchorCtr="1" anchor="ctr" wrap="none"/>
+            <a:lstStyle/>
+            <a:p>
+              <a:pPr algn="l" marL="0" marR="0" indent="0">
+                <a:lnSpc>
+                  <a:spcPts val="853"/>
+                </a:lnSpc>
+                <a:spcBef>
+                  <a:spcPts val="0"/>
+                </a:spcBef>
+                <a:spcAft>
+                  <a:spcPts val="0"/>
+                </a:spcAft>
+              </a:pPr>
+              <a:r>
+                <a:rPr sz="853">
+                  <a:solidFill>
+                    <a:srgbClr val="000000">
+                      <a:alpha val="100000"/>
+                    </a:srgbClr>
+                  </a:solidFill>
+                  <a:latin typeface="Arial"/>
+                  <a:cs typeface="Arial"/>
+                </a:rPr>
+                <a:t>四川</a:t>
+              </a:r>
+            </a:p>
+          </p:txBody>
+        </p:sp>
+        <p:sp>
+          <p:nvSpPr>
+            <p:cNvPr id="68" name="tx68"/>
+            <p:cNvSpPr/>
+            <p:nvPr/>
+          </p:nvSpPr>
+          <p:spPr>
+            <a:xfrm>
+              <a:off x="2809555" y="4550298"/>
+              <a:ext cx="162607" cy="67753"/>
+            </a:xfrm>
+            <a:prstGeom prst="rect">
+              <a:avLst/>
+            </a:prstGeom>
+            <a:noFill/>
+          </p:spPr>
+          <p:txBody>
+            <a:bodyPr lIns="0" rIns="0" tIns="0" bIns="0" anchorCtr="1" anchor="ctr" wrap="none"/>
+            <a:lstStyle/>
+            <a:p>
+              <a:pPr algn="l" marL="0" marR="0" indent="0">
+                <a:lnSpc>
+                  <a:spcPts val="853"/>
+                </a:lnSpc>
+                <a:spcBef>
+                  <a:spcPts val="0"/>
+                </a:spcBef>
+                <a:spcAft>
+                  <a:spcPts val="0"/>
+                </a:spcAft>
+              </a:pPr>
+              <a:r>
+                <a:rPr sz="853">
+                  <a:solidFill>
+                    <a:srgbClr val="000000">
+                      <a:alpha val="100000"/>
+                    </a:srgbClr>
+                  </a:solidFill>
+                  <a:latin typeface="Arial"/>
+                  <a:cs typeface="Arial"/>
+                </a:rPr>
+                <a:t>山西</a:t>
+              </a:r>
+            </a:p>
+          </p:txBody>
+        </p:sp>
+        <p:sp>
+          <p:nvSpPr>
+            <p:cNvPr id="69" name="tx69"/>
+            <p:cNvSpPr/>
+            <p:nvPr/>
+          </p:nvSpPr>
+          <p:spPr>
+            <a:xfrm>
+              <a:off x="2774202" y="4739526"/>
+              <a:ext cx="162607" cy="67753"/>
+            </a:xfrm>
+            <a:prstGeom prst="rect">
+              <a:avLst/>
+            </a:prstGeom>
+            <a:noFill/>
+          </p:spPr>
+          <p:txBody>
+            <a:bodyPr lIns="0" rIns="0" tIns="0" bIns="0" anchorCtr="1" anchor="ctr" wrap="none"/>
+            <a:lstStyle/>
+            <a:p>
+              <a:pPr algn="l" marL="0" marR="0" indent="0">
+                <a:lnSpc>
+                  <a:spcPts val="853"/>
+                </a:lnSpc>
+                <a:spcBef>
+                  <a:spcPts val="0"/>
+                </a:spcBef>
+                <a:spcAft>
+                  <a:spcPts val="0"/>
+                </a:spcAft>
+              </a:pPr>
+              <a:r>
+                <a:rPr sz="853">
+                  <a:solidFill>
+                    <a:srgbClr val="000000">
+                      <a:alpha val="100000"/>
+                    </a:srgbClr>
+                  </a:solidFill>
+                  <a:latin typeface="Arial"/>
+                  <a:cs typeface="Arial"/>
+                </a:rPr>
+                <a:t>河北</a:t>
+              </a:r>
+            </a:p>
+          </p:txBody>
+        </p:sp>
+        <p:sp>
+          <p:nvSpPr>
+            <p:cNvPr id="70" name="tx70"/>
+            <p:cNvSpPr/>
+            <p:nvPr/>
+          </p:nvSpPr>
+          <p:spPr>
+            <a:xfrm>
+              <a:off x="2774202" y="4928754"/>
               <a:ext cx="162607" cy="67753"/>
             </a:xfrm>
             <a:prstGeom prst="rect">
@@ -5494,13 +5718,13 @@
         </p:sp>
         <p:sp>
           <p:nvSpPr>
-            <p:cNvPr id="66" name="tx66"/>
-            <p:cNvSpPr/>
-            <p:nvPr/>
-          </p:nvSpPr>
-          <p:spPr>
-            <a:xfrm>
-              <a:off x="2745985" y="4550298"/>
+            <p:cNvPr id="71" name="tx71"/>
+            <p:cNvSpPr/>
+            <p:nvPr/>
+          </p:nvSpPr>
+          <p:spPr>
+            <a:xfrm>
+              <a:off x="2738849" y="5117982"/>
               <a:ext cx="162607" cy="67753"/>
             </a:xfrm>
             <a:prstGeom prst="rect">
@@ -5533,112 +5757,20 @@
                   <a:latin typeface="Arial"/>
                   <a:cs typeface="Arial"/>
                 </a:rPr>
-                <a:t>四川</a:t>
+                <a:t>陕西</a:t>
               </a:r>
             </a:p>
           </p:txBody>
         </p:sp>
         <p:sp>
           <p:nvSpPr>
-            <p:cNvPr id="67" name="tx67"/>
-            <p:cNvSpPr/>
-            <p:nvPr/>
-          </p:nvSpPr>
-          <p:spPr>
-            <a:xfrm>
-              <a:off x="2745985" y="4739526"/>
-              <a:ext cx="162607" cy="67753"/>
-            </a:xfrm>
-            <a:prstGeom prst="rect">
-              <a:avLst/>
-            </a:prstGeom>
-            <a:noFill/>
-          </p:spPr>
-          <p:txBody>
-            <a:bodyPr lIns="0" rIns="0" tIns="0" bIns="0" anchorCtr="1" anchor="ctr" wrap="none"/>
-            <a:lstStyle/>
-            <a:p>
-              <a:pPr algn="l" marL="0" marR="0" indent="0">
-                <a:lnSpc>
-                  <a:spcPts val="853"/>
-                </a:lnSpc>
-                <a:spcBef>
-                  <a:spcPts val="0"/>
-                </a:spcBef>
-                <a:spcAft>
-                  <a:spcPts val="0"/>
-                </a:spcAft>
-              </a:pPr>
-              <a:r>
-                <a:rPr sz="853">
-                  <a:solidFill>
-                    <a:srgbClr val="000000">
-                      <a:alpha val="100000"/>
-                    </a:srgbClr>
-                  </a:solidFill>
-                  <a:latin typeface="Arial"/>
-                  <a:cs typeface="Arial"/>
-                </a:rPr>
-                <a:t>香港</a:t>
-              </a:r>
-            </a:p>
-          </p:txBody>
-        </p:sp>
-        <p:sp>
-          <p:nvSpPr>
-            <p:cNvPr id="68" name="tx68"/>
-            <p:cNvSpPr/>
-            <p:nvPr/>
-          </p:nvSpPr>
-          <p:spPr>
-            <a:xfrm>
-              <a:off x="2700291" y="4928754"/>
-              <a:ext cx="162607" cy="67753"/>
-            </a:xfrm>
-            <a:prstGeom prst="rect">
-              <a:avLst/>
-            </a:prstGeom>
-            <a:noFill/>
-          </p:spPr>
-          <p:txBody>
-            <a:bodyPr lIns="0" rIns="0" tIns="0" bIns="0" anchorCtr="1" anchor="ctr" wrap="none"/>
-            <a:lstStyle/>
-            <a:p>
-              <a:pPr algn="l" marL="0" marR="0" indent="0">
-                <a:lnSpc>
-                  <a:spcPts val="853"/>
-                </a:lnSpc>
-                <a:spcBef>
-                  <a:spcPts val="0"/>
-                </a:spcBef>
-                <a:spcAft>
-                  <a:spcPts val="0"/>
-                </a:spcAft>
-              </a:pPr>
-              <a:r>
-                <a:rPr sz="853">
-                  <a:solidFill>
-                    <a:srgbClr val="000000">
-                      <a:alpha val="100000"/>
-                    </a:srgbClr>
-                  </a:solidFill>
-                  <a:latin typeface="Arial"/>
-                  <a:cs typeface="Arial"/>
-                </a:rPr>
-                <a:t>台湾</a:t>
-              </a:r>
-            </a:p>
-          </p:txBody>
-        </p:sp>
-        <p:sp>
-          <p:nvSpPr>
-            <p:cNvPr id="69" name="tx69"/>
-            <p:cNvSpPr/>
-            <p:nvPr/>
-          </p:nvSpPr>
-          <p:spPr>
-            <a:xfrm>
-              <a:off x="2700291" y="5117982"/>
+            <p:cNvPr id="72" name="tx72"/>
+            <p:cNvSpPr/>
+            <p:nvPr/>
+          </p:nvSpPr>
+          <p:spPr>
+            <a:xfrm>
+              <a:off x="2738849" y="5307209"/>
               <a:ext cx="162607" cy="67753"/>
             </a:xfrm>
             <a:prstGeom prst="rect">
@@ -5678,13 +5810,13 @@
         </p:sp>
         <p:sp>
           <p:nvSpPr>
-            <p:cNvPr id="70" name="tx70"/>
-            <p:cNvSpPr/>
-            <p:nvPr/>
-          </p:nvSpPr>
-          <p:spPr>
-            <a:xfrm>
-              <a:off x="2654597" y="5307209"/>
+            <p:cNvPr id="73" name="tx73"/>
+            <p:cNvSpPr/>
+            <p:nvPr/>
+          </p:nvSpPr>
+          <p:spPr>
+            <a:xfrm>
+              <a:off x="2632790" y="5496437"/>
               <a:ext cx="162607" cy="67753"/>
             </a:xfrm>
             <a:prstGeom prst="rect">
@@ -5717,60 +5849,14 @@
                   <a:latin typeface="Arial"/>
                   <a:cs typeface="Arial"/>
                 </a:rPr>
-                <a:t>河北</a:t>
+                <a:t>海南</a:t>
               </a:r>
             </a:p>
           </p:txBody>
         </p:sp>
         <p:sp>
           <p:nvSpPr>
-            <p:cNvPr id="71" name="tx71"/>
-            <p:cNvSpPr/>
-            <p:nvPr/>
-          </p:nvSpPr>
-          <p:spPr>
-            <a:xfrm>
-              <a:off x="2654597" y="5496437"/>
-              <a:ext cx="162607" cy="67753"/>
-            </a:xfrm>
-            <a:prstGeom prst="rect">
-              <a:avLst/>
-            </a:prstGeom>
-            <a:noFill/>
-          </p:spPr>
-          <p:txBody>
-            <a:bodyPr lIns="0" rIns="0" tIns="0" bIns="0" anchorCtr="1" anchor="ctr" wrap="none"/>
-            <a:lstStyle/>
-            <a:p>
-              <a:pPr algn="l" marL="0" marR="0" indent="0">
-                <a:lnSpc>
-                  <a:spcPts val="853"/>
-                </a:lnSpc>
-                <a:spcBef>
-                  <a:spcPts val="0"/>
-                </a:spcBef>
-                <a:spcAft>
-                  <a:spcPts val="0"/>
-                </a:spcAft>
-              </a:pPr>
-              <a:r>
-                <a:rPr sz="853">
-                  <a:solidFill>
-                    <a:srgbClr val="000000">
-                      <a:alpha val="100000"/>
-                    </a:srgbClr>
-                  </a:solidFill>
-                  <a:latin typeface="Arial"/>
-                  <a:cs typeface="Arial"/>
-                </a:rPr>
-                <a:t>吉林</a:t>
-              </a:r>
-            </a:p>
-          </p:txBody>
-        </p:sp>
-        <p:sp>
-          <p:nvSpPr>
-            <p:cNvPr id="72" name="rc72"/>
+            <p:cNvPr id="74" name="rc74"/>
             <p:cNvSpPr/>
             <p:nvPr/>
           </p:nvSpPr>
@@ -5800,7 +5886,7 @@
         </p:sp>
         <p:sp>
           <p:nvSpPr>
-            <p:cNvPr id="73" name="tx73"/>
+            <p:cNvPr id="75" name="tx75"/>
             <p:cNvSpPr/>
             <p:nvPr/>
           </p:nvSpPr>
@@ -5846,7 +5932,7 @@
         </p:sp>
         <p:sp>
           <p:nvSpPr>
-            <p:cNvPr id="74" name="tx74"/>
+            <p:cNvPr id="76" name="tx76"/>
             <p:cNvSpPr/>
             <p:nvPr/>
           </p:nvSpPr>
@@ -5892,7 +5978,7 @@
         </p:sp>
         <p:sp>
           <p:nvSpPr>
-            <p:cNvPr id="75" name="tx75"/>
+            <p:cNvPr id="77" name="tx77"/>
             <p:cNvSpPr/>
             <p:nvPr/>
           </p:nvSpPr>
@@ -5938,7 +6024,7 @@
         </p:sp>
         <p:sp>
           <p:nvSpPr>
-            <p:cNvPr id="76" name="tx76"/>
+            <p:cNvPr id="78" name="tx78"/>
             <p:cNvSpPr/>
             <p:nvPr/>
           </p:nvSpPr>
@@ -5984,7 +6070,7 @@
         </p:sp>
         <p:sp>
           <p:nvSpPr>
-            <p:cNvPr id="77" name="tx77"/>
+            <p:cNvPr id="79" name="tx79"/>
             <p:cNvSpPr/>
             <p:nvPr/>
           </p:nvSpPr>
@@ -6030,7 +6116,7 @@
         </p:sp>
         <p:sp>
           <p:nvSpPr>
-            <p:cNvPr id="78" name="tx78"/>
+            <p:cNvPr id="80" name="tx80"/>
             <p:cNvSpPr/>
             <p:nvPr/>
           </p:nvSpPr>
@@ -6076,7 +6162,7 @@
         </p:sp>
         <p:sp>
           <p:nvSpPr>
-            <p:cNvPr id="79" name="tx79"/>
+            <p:cNvPr id="81" name="tx81"/>
             <p:cNvSpPr/>
             <p:nvPr/>
           </p:nvSpPr>
@@ -6122,7 +6208,7 @@
         </p:sp>
         <p:sp>
           <p:nvSpPr>
-            <p:cNvPr id="80" name="tx80"/>
+            <p:cNvPr id="82" name="tx82"/>
             <p:cNvSpPr/>
             <p:nvPr/>
           </p:nvSpPr>
@@ -6168,7 +6254,7 @@
         </p:sp>
         <p:sp>
           <p:nvSpPr>
-            <p:cNvPr id="81" name="tx81"/>
+            <p:cNvPr id="83" name="tx83"/>
             <p:cNvSpPr/>
             <p:nvPr/>
           </p:nvSpPr>
@@ -6214,7 +6300,7 @@
         </p:sp>
         <p:sp>
           <p:nvSpPr>
-            <p:cNvPr id="82" name="tx82"/>
+            <p:cNvPr id="84" name="tx84"/>
             <p:cNvSpPr/>
             <p:nvPr/>
           </p:nvSpPr>
@@ -6260,7 +6346,7 @@
         </p:sp>
         <p:sp>
           <p:nvSpPr>
-            <p:cNvPr id="83" name="tx83"/>
+            <p:cNvPr id="85" name="tx85"/>
             <p:cNvSpPr/>
             <p:nvPr/>
           </p:nvSpPr>
@@ -6306,7 +6392,7 @@
         </p:sp>
         <p:sp>
           <p:nvSpPr>
-            <p:cNvPr id="84" name="tx84"/>
+            <p:cNvPr id="86" name="tx86"/>
             <p:cNvSpPr/>
             <p:nvPr/>
           </p:nvSpPr>
@@ -6352,7 +6438,7 @@
         </p:sp>
         <p:sp>
           <p:nvSpPr>
-            <p:cNvPr id="85" name="tx85"/>
+            <p:cNvPr id="87" name="tx87"/>
             <p:cNvSpPr/>
             <p:nvPr/>
           </p:nvSpPr>
@@ -6398,7 +6484,7 @@
         </p:sp>
         <p:sp>
           <p:nvSpPr>
-            <p:cNvPr id="86" name="tx86"/>
+            <p:cNvPr id="88" name="tx88"/>
             <p:cNvSpPr/>
             <p:nvPr/>
           </p:nvSpPr>
@@ -6444,7 +6530,7 @@
         </p:sp>
         <p:sp>
           <p:nvSpPr>
-            <p:cNvPr id="87" name="tx87"/>
+            <p:cNvPr id="89" name="tx89"/>
             <p:cNvSpPr/>
             <p:nvPr/>
           </p:nvSpPr>
@@ -6490,7 +6576,7 @@
         </p:sp>
         <p:sp>
           <p:nvSpPr>
-            <p:cNvPr id="88" name="tx88"/>
+            <p:cNvPr id="90" name="tx90"/>
             <p:cNvSpPr/>
             <p:nvPr/>
           </p:nvSpPr>
@@ -6536,7 +6622,7 @@
         </p:sp>
         <p:sp>
           <p:nvSpPr>
-            <p:cNvPr id="89" name="tx89"/>
+            <p:cNvPr id="91" name="tx91"/>
             <p:cNvSpPr/>
             <p:nvPr/>
           </p:nvSpPr>
@@ -6582,7 +6668,7 @@
         </p:sp>
         <p:sp>
           <p:nvSpPr>
-            <p:cNvPr id="90" name="tx90"/>
+            <p:cNvPr id="92" name="tx92"/>
             <p:cNvSpPr/>
             <p:nvPr/>
           </p:nvSpPr>
@@ -6628,7 +6714,7 @@
         </p:sp>
         <p:sp>
           <p:nvSpPr>
-            <p:cNvPr id="91" name="tx91"/>
+            <p:cNvPr id="93" name="tx93"/>
             <p:cNvSpPr/>
             <p:nvPr/>
           </p:nvSpPr>
@@ -6674,7 +6760,7 @@
         </p:sp>
         <p:sp>
           <p:nvSpPr>
-            <p:cNvPr id="92" name="tx92"/>
+            <p:cNvPr id="94" name="tx94"/>
             <p:cNvSpPr/>
             <p:nvPr/>
           </p:nvSpPr>
@@ -6720,7 +6806,7 @@
         </p:sp>
         <p:sp>
           <p:nvSpPr>
-            <p:cNvPr id="93" name="pl93"/>
+            <p:cNvPr id="95" name="pl95"/>
             <p:cNvSpPr/>
             <p:nvPr/>
           </p:nvSpPr>
@@ -6760,7 +6846,7 @@
         </p:sp>
         <p:sp>
           <p:nvSpPr>
-            <p:cNvPr id="94" name="pl94"/>
+            <p:cNvPr id="96" name="pl96"/>
             <p:cNvSpPr/>
             <p:nvPr/>
           </p:nvSpPr>
@@ -6800,7 +6886,7 @@
         </p:sp>
         <p:sp>
           <p:nvSpPr>
-            <p:cNvPr id="95" name="pl95"/>
+            <p:cNvPr id="97" name="pl97"/>
             <p:cNvSpPr/>
             <p:nvPr/>
           </p:nvSpPr>
@@ -6840,7 +6926,7 @@
         </p:sp>
         <p:sp>
           <p:nvSpPr>
-            <p:cNvPr id="96" name="pl96"/>
+            <p:cNvPr id="98" name="pl98"/>
             <p:cNvSpPr/>
             <p:nvPr/>
           </p:nvSpPr>
@@ -6880,7 +6966,7 @@
         </p:sp>
         <p:sp>
           <p:nvSpPr>
-            <p:cNvPr id="97" name="pl97"/>
+            <p:cNvPr id="99" name="pl99"/>
             <p:cNvSpPr/>
             <p:nvPr/>
           </p:nvSpPr>
@@ -6920,7 +7006,7 @@
         </p:sp>
         <p:sp>
           <p:nvSpPr>
-            <p:cNvPr id="98" name="pl98"/>
+            <p:cNvPr id="100" name="pl100"/>
             <p:cNvSpPr/>
             <p:nvPr/>
           </p:nvSpPr>
@@ -6960,7 +7046,7 @@
         </p:sp>
         <p:sp>
           <p:nvSpPr>
-            <p:cNvPr id="99" name="pl99"/>
+            <p:cNvPr id="101" name="pl101"/>
             <p:cNvSpPr/>
             <p:nvPr/>
           </p:nvSpPr>
@@ -7000,7 +7086,7 @@
         </p:sp>
         <p:sp>
           <p:nvSpPr>
-            <p:cNvPr id="100" name="pl100"/>
+            <p:cNvPr id="102" name="pl102"/>
             <p:cNvSpPr/>
             <p:nvPr/>
           </p:nvSpPr>
@@ -7040,7 +7126,7 @@
         </p:sp>
         <p:sp>
           <p:nvSpPr>
-            <p:cNvPr id="101" name="pl101"/>
+            <p:cNvPr id="103" name="pl103"/>
             <p:cNvSpPr/>
             <p:nvPr/>
           </p:nvSpPr>
@@ -7080,7 +7166,7 @@
         </p:sp>
         <p:sp>
           <p:nvSpPr>
-            <p:cNvPr id="102" name="pl102"/>
+            <p:cNvPr id="104" name="pl104"/>
             <p:cNvSpPr/>
             <p:nvPr/>
           </p:nvSpPr>
@@ -7120,7 +7206,7 @@
         </p:sp>
         <p:sp>
           <p:nvSpPr>
-            <p:cNvPr id="103" name="pl103"/>
+            <p:cNvPr id="105" name="pl105"/>
             <p:cNvSpPr/>
             <p:nvPr/>
           </p:nvSpPr>
@@ -7160,7 +7246,7 @@
         </p:sp>
         <p:sp>
           <p:nvSpPr>
-            <p:cNvPr id="104" name="pl104"/>
+            <p:cNvPr id="106" name="pl106"/>
             <p:cNvSpPr/>
             <p:nvPr/>
           </p:nvSpPr>
@@ -7200,7 +7286,7 @@
         </p:sp>
         <p:sp>
           <p:nvSpPr>
-            <p:cNvPr id="105" name="pl105"/>
+            <p:cNvPr id="107" name="pl107"/>
             <p:cNvSpPr/>
             <p:nvPr/>
           </p:nvSpPr>
@@ -7240,7 +7326,7 @@
         </p:sp>
         <p:sp>
           <p:nvSpPr>
-            <p:cNvPr id="106" name="pl106"/>
+            <p:cNvPr id="108" name="pl108"/>
             <p:cNvSpPr/>
             <p:nvPr/>
           </p:nvSpPr>
@@ -7280,7 +7366,7 @@
         </p:sp>
         <p:sp>
           <p:nvSpPr>
-            <p:cNvPr id="107" name="pl107"/>
+            <p:cNvPr id="109" name="pl109"/>
             <p:cNvSpPr/>
             <p:nvPr/>
           </p:nvSpPr>
@@ -7320,7 +7406,7 @@
         </p:sp>
         <p:sp>
           <p:nvSpPr>
-            <p:cNvPr id="108" name="pl108"/>
+            <p:cNvPr id="110" name="pl110"/>
             <p:cNvSpPr/>
             <p:nvPr/>
           </p:nvSpPr>
@@ -7360,7 +7446,7 @@
         </p:sp>
         <p:sp>
           <p:nvSpPr>
-            <p:cNvPr id="109" name="pl109"/>
+            <p:cNvPr id="111" name="pl111"/>
             <p:cNvSpPr/>
             <p:nvPr/>
           </p:nvSpPr>
@@ -7400,7 +7486,7 @@
         </p:sp>
         <p:sp>
           <p:nvSpPr>
-            <p:cNvPr id="110" name="pl110"/>
+            <p:cNvPr id="112" name="pl112"/>
             <p:cNvSpPr/>
             <p:nvPr/>
           </p:nvSpPr>
@@ -7440,7 +7526,7 @@
         </p:sp>
         <p:sp>
           <p:nvSpPr>
-            <p:cNvPr id="111" name="pl111"/>
+            <p:cNvPr id="113" name="pl113"/>
             <p:cNvSpPr/>
             <p:nvPr/>
           </p:nvSpPr>
@@ -7480,7 +7566,7 @@
         </p:sp>
         <p:sp>
           <p:nvSpPr>
-            <p:cNvPr id="112" name="pl112"/>
+            <p:cNvPr id="114" name="pl114"/>
             <p:cNvSpPr/>
             <p:nvPr/>
           </p:nvSpPr>
@@ -7520,7 +7606,7 @@
         </p:sp>
         <p:sp>
           <p:nvSpPr>
-            <p:cNvPr id="113" name="pl113"/>
+            <p:cNvPr id="115" name="pl115"/>
             <p:cNvSpPr/>
             <p:nvPr/>
           </p:nvSpPr>
@@ -7560,13 +7646,13 @@
         </p:sp>
         <p:sp>
           <p:nvSpPr>
-            <p:cNvPr id="114" name="pl114"/>
-            <p:cNvSpPr/>
-            <p:nvPr/>
-          </p:nvSpPr>
-          <p:spPr>
-            <a:xfrm>
-              <a:off x="4370414" y="5638927"/>
+            <p:cNvPr id="116" name="pl116"/>
+            <p:cNvSpPr/>
+            <p:nvPr/>
+          </p:nvSpPr>
+          <p:spPr>
+            <a:xfrm>
+              <a:off x="3853348" y="5638927"/>
               <a:ext cx="0" cy="34794"/>
             </a:xfrm>
             <a:custGeom>
@@ -7600,13 +7686,13 @@
         </p:sp>
         <p:sp>
           <p:nvSpPr>
-            <p:cNvPr id="115" name="pl115"/>
-            <p:cNvSpPr/>
-            <p:nvPr/>
-          </p:nvSpPr>
-          <p:spPr>
-            <a:xfrm>
-              <a:off x="6655124" y="5638927"/>
+            <p:cNvPr id="117" name="pl117"/>
+            <p:cNvSpPr/>
+            <p:nvPr/>
+          </p:nvSpPr>
+          <p:spPr>
+            <a:xfrm>
+              <a:off x="5620992" y="5638927"/>
               <a:ext cx="0" cy="34794"/>
             </a:xfrm>
             <a:custGeom>
@@ -7640,7 +7726,47 @@
         </p:sp>
         <p:sp>
           <p:nvSpPr>
-            <p:cNvPr id="116" name="tx116"/>
+            <p:cNvPr id="118" name="pl118"/>
+            <p:cNvSpPr/>
+            <p:nvPr/>
+          </p:nvSpPr>
+          <p:spPr>
+            <a:xfrm>
+              <a:off x="7388636" y="5638927"/>
+              <a:ext cx="0" cy="34794"/>
+            </a:xfrm>
+            <a:custGeom>
+              <a:avLst/>
+              <a:pathLst>
+                <a:path w="0" h="34794">
+                  <a:moveTo>
+                    <a:pt x="0" y="34794"/>
+                  </a:moveTo>
+                  <a:lnTo>
+                    <a:pt x="0" y="0"/>
+                  </a:lnTo>
+                </a:path>
+              </a:pathLst>
+            </a:custGeom>
+            <a:ln w="6775" cap="flat">
+              <a:solidFill>
+                <a:srgbClr val="B3B3B3">
+                  <a:alpha val="100000"/>
+                </a:srgbClr>
+              </a:solidFill>
+              <a:prstDash val="solid"/>
+              <a:round/>
+            </a:ln>
+          </p:spPr>
+          <p:txBody>
+            <a:bodyPr/>
+            <a:lstStyle/>
+            <a:p/>
+          </p:txBody>
+        </p:sp>
+        <p:sp>
+          <p:nvSpPr>
+            <p:cNvPr id="119" name="tx119"/>
             <p:cNvSpPr/>
             <p:nvPr/>
           </p:nvSpPr>
@@ -7686,13 +7812,13 @@
         </p:sp>
         <p:sp>
           <p:nvSpPr>
-            <p:cNvPr id="117" name="tx117"/>
-            <p:cNvSpPr/>
-            <p:nvPr/>
-          </p:nvSpPr>
-          <p:spPr>
-            <a:xfrm>
-              <a:off x="4308259" y="5699866"/>
+            <p:cNvPr id="120" name="tx120"/>
+            <p:cNvSpPr/>
+            <p:nvPr/>
+          </p:nvSpPr>
+          <p:spPr>
+            <a:xfrm>
+              <a:off x="3791193" y="5699866"/>
               <a:ext cx="124311" cy="81691"/>
             </a:xfrm>
             <a:prstGeom prst="rect">
@@ -7732,13 +7858,13 @@
         </p:sp>
         <p:sp>
           <p:nvSpPr>
-            <p:cNvPr id="118" name="tx118"/>
-            <p:cNvSpPr/>
-            <p:nvPr/>
-          </p:nvSpPr>
-          <p:spPr>
-            <a:xfrm>
-              <a:off x="6561890" y="5699866"/>
+            <p:cNvPr id="121" name="tx121"/>
+            <p:cNvSpPr/>
+            <p:nvPr/>
+          </p:nvSpPr>
+          <p:spPr>
+            <a:xfrm>
+              <a:off x="5527759" y="5699866"/>
               <a:ext cx="186466" cy="81691"/>
             </a:xfrm>
             <a:prstGeom prst="rect">
@@ -7772,6 +7898,52 @@
                   <a:cs typeface="Arial"/>
                 </a:rPr>
                 <a:t>100</a:t>
+              </a:r>
+            </a:p>
+          </p:txBody>
+        </p:sp>
+        <p:sp>
+          <p:nvSpPr>
+            <p:cNvPr id="122" name="tx122"/>
+            <p:cNvSpPr/>
+            <p:nvPr/>
+          </p:nvSpPr>
+          <p:spPr>
+            <a:xfrm>
+              <a:off x="7295403" y="5699866"/>
+              <a:ext cx="186466" cy="81691"/>
+            </a:xfrm>
+            <a:prstGeom prst="rect">
+              <a:avLst/>
+            </a:prstGeom>
+            <a:noFill/>
+          </p:spPr>
+          <p:txBody>
+            <a:bodyPr lIns="0" rIns="0" tIns="0" bIns="0" anchorCtr="1" anchor="ctr" wrap="none"/>
+            <a:lstStyle/>
+            <a:p>
+              <a:pPr algn="l" marL="0" marR="0" indent="0">
+                <a:lnSpc>
+                  <a:spcPts val="880"/>
+                </a:lnSpc>
+                <a:spcBef>
+                  <a:spcPts val="0"/>
+                </a:spcBef>
+                <a:spcAft>
+                  <a:spcPts val="0"/>
+                </a:spcAft>
+              </a:pPr>
+              <a:r>
+                <a:rPr sz="880">
+                  <a:solidFill>
+                    <a:srgbClr val="4D4D4D">
+                      <a:alpha val="100000"/>
+                    </a:srgbClr>
+                  </a:solidFill>
+                  <a:latin typeface="Arial"/>
+                  <a:cs typeface="Arial"/>
+                </a:rPr>
+                <a:t>150</a:t>
               </a:r>
             </a:p>
           </p:txBody>

--- a/_book/plot/pro-survey-province-1.pptx
+++ b/_book/plot/pro-survey-province-1.pptx
@@ -3192,8 +3192,8 @@
           </p:nvSpPr>
           <p:spPr>
             <a:xfrm>
-              <a:off x="2081816" y="1811862"/>
-              <a:ext cx="6855275" cy="3834063"/>
+              <a:off x="2080073" y="1810329"/>
+              <a:ext cx="6857019" cy="3839294"/>
             </a:xfrm>
             <a:prstGeom prst="rect">
               <a:avLst/>
@@ -3218,15 +3218,15 @@
           </p:nvSpPr>
           <p:spPr>
             <a:xfrm>
-              <a:off x="2921924" y="1811862"/>
-              <a:ext cx="0" cy="3834063"/>
+              <a:off x="2920394" y="1810329"/>
+              <a:ext cx="0" cy="3839294"/>
             </a:xfrm>
             <a:custGeom>
               <a:avLst/>
               <a:pathLst>
-                <a:path w="0" h="3834063">
+                <a:path w="0" h="3839294">
                   <a:moveTo>
-                    <a:pt x="0" y="3834063"/>
+                    <a:pt x="0" y="3839294"/>
                   </a:moveTo>
                   <a:lnTo>
                     <a:pt x="0" y="0"/>
@@ -3261,15 +3261,15 @@
           </p:nvSpPr>
           <p:spPr>
             <a:xfrm>
-              <a:off x="4602138" y="1811862"/>
-              <a:ext cx="0" cy="3834063"/>
+              <a:off x="4601036" y="1810329"/>
+              <a:ext cx="0" cy="3839294"/>
             </a:xfrm>
             <a:custGeom>
               <a:avLst/>
               <a:pathLst>
-                <a:path w="0" h="3834063">
+                <a:path w="0" h="3839294">
                   <a:moveTo>
-                    <a:pt x="0" y="3834063"/>
+                    <a:pt x="0" y="3839294"/>
                   </a:moveTo>
                   <a:lnTo>
                     <a:pt x="0" y="0"/>
@@ -3304,15 +3304,15 @@
           </p:nvSpPr>
           <p:spPr>
             <a:xfrm>
-              <a:off x="6282353" y="1811862"/>
-              <a:ext cx="0" cy="3834063"/>
+              <a:off x="6281678" y="1810329"/>
+              <a:ext cx="0" cy="3839294"/>
             </a:xfrm>
             <a:custGeom>
               <a:avLst/>
               <a:pathLst>
-                <a:path w="0" h="3834063">
+                <a:path w="0" h="3839294">
                   <a:moveTo>
-                    <a:pt x="0" y="3834063"/>
+                    <a:pt x="0" y="3839294"/>
                   </a:moveTo>
                   <a:lnTo>
                     <a:pt x="0" y="0"/>
@@ -3347,15 +3347,15 @@
           </p:nvSpPr>
           <p:spPr>
             <a:xfrm>
-              <a:off x="7962567" y="1811862"/>
-              <a:ext cx="0" cy="3834063"/>
+              <a:off x="7962320" y="1810329"/>
+              <a:ext cx="0" cy="3839294"/>
             </a:xfrm>
             <a:custGeom>
               <a:avLst/>
               <a:pathLst>
-                <a:path w="0" h="3834063">
+                <a:path w="0" h="3839294">
                   <a:moveTo>
-                    <a:pt x="0" y="3834063"/>
+                    <a:pt x="0" y="3839294"/>
                   </a:moveTo>
                   <a:lnTo>
                     <a:pt x="0" y="0"/>
@@ -3390,21 +3390,21 @@
           </p:nvSpPr>
           <p:spPr>
             <a:xfrm>
-              <a:off x="2081816" y="5532043"/>
-              <a:ext cx="6855275" cy="0"/>
+              <a:off x="2080073" y="5535585"/>
+              <a:ext cx="6857019" cy="0"/>
             </a:xfrm>
             <a:custGeom>
               <a:avLst/>
               <a:pathLst>
-                <a:path w="6855275" h="0">
+                <a:path w="6857019" h="0">
                   <a:moveTo>
                     <a:pt x="0" y="0"/>
                   </a:moveTo>
                   <a:lnTo>
-                    <a:pt x="6855275" y="0"/>
-                  </a:lnTo>
-                  <a:lnTo>
-                    <a:pt x="6855275" y="0"/>
+                    <a:pt x="6857019" y="0"/>
+                  </a:lnTo>
+                  <a:lnTo>
+                    <a:pt x="6857019" y="0"/>
                   </a:lnTo>
                 </a:path>
               </a:pathLst>
@@ -3433,21 +3433,21 @@
           </p:nvSpPr>
           <p:spPr>
             <a:xfrm>
-              <a:off x="2081816" y="5342238"/>
-              <a:ext cx="6855275" cy="0"/>
+              <a:off x="2080073" y="5345521"/>
+              <a:ext cx="6857019" cy="0"/>
             </a:xfrm>
             <a:custGeom>
               <a:avLst/>
               <a:pathLst>
-                <a:path w="6855275" h="0">
+                <a:path w="6857019" h="0">
                   <a:moveTo>
                     <a:pt x="0" y="0"/>
                   </a:moveTo>
                   <a:lnTo>
-                    <a:pt x="6855275" y="0"/>
-                  </a:lnTo>
-                  <a:lnTo>
-                    <a:pt x="6855275" y="0"/>
+                    <a:pt x="6857019" y="0"/>
+                  </a:lnTo>
+                  <a:lnTo>
+                    <a:pt x="6857019" y="0"/>
                   </a:lnTo>
                 </a:path>
               </a:pathLst>
@@ -3476,21 +3476,21 @@
           </p:nvSpPr>
           <p:spPr>
             <a:xfrm>
-              <a:off x="2081816" y="5152433"/>
-              <a:ext cx="6855275" cy="0"/>
+              <a:off x="2080073" y="5155457"/>
+              <a:ext cx="6857019" cy="0"/>
             </a:xfrm>
             <a:custGeom>
               <a:avLst/>
               <a:pathLst>
-                <a:path w="6855275" h="0">
+                <a:path w="6857019" h="0">
                   <a:moveTo>
                     <a:pt x="0" y="0"/>
                   </a:moveTo>
                   <a:lnTo>
-                    <a:pt x="6855275" y="0"/>
-                  </a:lnTo>
-                  <a:lnTo>
-                    <a:pt x="6855275" y="0"/>
+                    <a:pt x="6857019" y="0"/>
+                  </a:lnTo>
+                  <a:lnTo>
+                    <a:pt x="6857019" y="0"/>
                   </a:lnTo>
                 </a:path>
               </a:pathLst>
@@ -3519,21 +3519,21 @@
           </p:nvSpPr>
           <p:spPr>
             <a:xfrm>
-              <a:off x="2081816" y="4962628"/>
-              <a:ext cx="6855275" cy="0"/>
+              <a:off x="2080073" y="4965393"/>
+              <a:ext cx="6857019" cy="0"/>
             </a:xfrm>
             <a:custGeom>
               <a:avLst/>
               <a:pathLst>
-                <a:path w="6855275" h="0">
+                <a:path w="6857019" h="0">
                   <a:moveTo>
                     <a:pt x="0" y="0"/>
                   </a:moveTo>
                   <a:lnTo>
-                    <a:pt x="6855275" y="0"/>
-                  </a:lnTo>
-                  <a:lnTo>
-                    <a:pt x="6855275" y="0"/>
+                    <a:pt x="6857019" y="0"/>
+                  </a:lnTo>
+                  <a:lnTo>
+                    <a:pt x="6857019" y="0"/>
                   </a:lnTo>
                 </a:path>
               </a:pathLst>
@@ -3562,21 +3562,21 @@
           </p:nvSpPr>
           <p:spPr>
             <a:xfrm>
-              <a:off x="2081816" y="4772822"/>
-              <a:ext cx="6855275" cy="0"/>
+              <a:off x="2080073" y="4775328"/>
+              <a:ext cx="6857019" cy="0"/>
             </a:xfrm>
             <a:custGeom>
               <a:avLst/>
               <a:pathLst>
-                <a:path w="6855275" h="0">
+                <a:path w="6857019" h="0">
                   <a:moveTo>
                     <a:pt x="0" y="0"/>
                   </a:moveTo>
                   <a:lnTo>
-                    <a:pt x="6855275" y="0"/>
-                  </a:lnTo>
-                  <a:lnTo>
-                    <a:pt x="6855275" y="0"/>
+                    <a:pt x="6857019" y="0"/>
+                  </a:lnTo>
+                  <a:lnTo>
+                    <a:pt x="6857019" y="0"/>
                   </a:lnTo>
                 </a:path>
               </a:pathLst>
@@ -3605,21 +3605,21 @@
           </p:nvSpPr>
           <p:spPr>
             <a:xfrm>
-              <a:off x="2081816" y="4583017"/>
-              <a:ext cx="6855275" cy="0"/>
+              <a:off x="2080073" y="4585264"/>
+              <a:ext cx="6857019" cy="0"/>
             </a:xfrm>
             <a:custGeom>
               <a:avLst/>
               <a:pathLst>
-                <a:path w="6855275" h="0">
+                <a:path w="6857019" h="0">
                   <a:moveTo>
                     <a:pt x="0" y="0"/>
                   </a:moveTo>
                   <a:lnTo>
-                    <a:pt x="6855275" y="0"/>
-                  </a:lnTo>
-                  <a:lnTo>
-                    <a:pt x="6855275" y="0"/>
+                    <a:pt x="6857019" y="0"/>
+                  </a:lnTo>
+                  <a:lnTo>
+                    <a:pt x="6857019" y="0"/>
                   </a:lnTo>
                 </a:path>
               </a:pathLst>
@@ -3648,21 +3648,21 @@
           </p:nvSpPr>
           <p:spPr>
             <a:xfrm>
-              <a:off x="2081816" y="4393212"/>
-              <a:ext cx="6855275" cy="0"/>
+              <a:off x="2080073" y="4395200"/>
+              <a:ext cx="6857019" cy="0"/>
             </a:xfrm>
             <a:custGeom>
               <a:avLst/>
               <a:pathLst>
-                <a:path w="6855275" h="0">
+                <a:path w="6857019" h="0">
                   <a:moveTo>
                     <a:pt x="0" y="0"/>
                   </a:moveTo>
                   <a:lnTo>
-                    <a:pt x="6855275" y="0"/>
-                  </a:lnTo>
-                  <a:lnTo>
-                    <a:pt x="6855275" y="0"/>
+                    <a:pt x="6857019" y="0"/>
+                  </a:lnTo>
+                  <a:lnTo>
+                    <a:pt x="6857019" y="0"/>
                   </a:lnTo>
                 </a:path>
               </a:pathLst>
@@ -3691,21 +3691,21 @@
           </p:nvSpPr>
           <p:spPr>
             <a:xfrm>
-              <a:off x="2081816" y="4203407"/>
-              <a:ext cx="6855275" cy="0"/>
+              <a:off x="2080073" y="4205136"/>
+              <a:ext cx="6857019" cy="0"/>
             </a:xfrm>
             <a:custGeom>
               <a:avLst/>
               <a:pathLst>
-                <a:path w="6855275" h="0">
+                <a:path w="6857019" h="0">
                   <a:moveTo>
                     <a:pt x="0" y="0"/>
                   </a:moveTo>
                   <a:lnTo>
-                    <a:pt x="6855275" y="0"/>
-                  </a:lnTo>
-                  <a:lnTo>
-                    <a:pt x="6855275" y="0"/>
+                    <a:pt x="6857019" y="0"/>
+                  </a:lnTo>
+                  <a:lnTo>
+                    <a:pt x="6857019" y="0"/>
                   </a:lnTo>
                 </a:path>
               </a:pathLst>
@@ -3734,21 +3734,21 @@
           </p:nvSpPr>
           <p:spPr>
             <a:xfrm>
-              <a:off x="2081816" y="4013602"/>
-              <a:ext cx="6855275" cy="0"/>
+              <a:off x="2080073" y="4015072"/>
+              <a:ext cx="6857019" cy="0"/>
             </a:xfrm>
             <a:custGeom>
               <a:avLst/>
               <a:pathLst>
-                <a:path w="6855275" h="0">
+                <a:path w="6857019" h="0">
                   <a:moveTo>
                     <a:pt x="0" y="0"/>
                   </a:moveTo>
                   <a:lnTo>
-                    <a:pt x="6855275" y="0"/>
-                  </a:lnTo>
-                  <a:lnTo>
-                    <a:pt x="6855275" y="0"/>
+                    <a:pt x="6857019" y="0"/>
+                  </a:lnTo>
+                  <a:lnTo>
+                    <a:pt x="6857019" y="0"/>
                   </a:lnTo>
                 </a:path>
               </a:pathLst>
@@ -3777,21 +3777,21 @@
           </p:nvSpPr>
           <p:spPr>
             <a:xfrm>
-              <a:off x="2081816" y="3823797"/>
-              <a:ext cx="6855275" cy="0"/>
+              <a:off x="2080073" y="3825008"/>
+              <a:ext cx="6857019" cy="0"/>
             </a:xfrm>
             <a:custGeom>
               <a:avLst/>
               <a:pathLst>
-                <a:path w="6855275" h="0">
+                <a:path w="6857019" h="0">
                   <a:moveTo>
                     <a:pt x="0" y="0"/>
                   </a:moveTo>
                   <a:lnTo>
-                    <a:pt x="6855275" y="0"/>
-                  </a:lnTo>
-                  <a:lnTo>
-                    <a:pt x="6855275" y="0"/>
+                    <a:pt x="6857019" y="0"/>
+                  </a:lnTo>
+                  <a:lnTo>
+                    <a:pt x="6857019" y="0"/>
                   </a:lnTo>
                 </a:path>
               </a:pathLst>
@@ -3820,21 +3820,21 @@
           </p:nvSpPr>
           <p:spPr>
             <a:xfrm>
-              <a:off x="2081816" y="3633992"/>
-              <a:ext cx="6855275" cy="0"/>
+              <a:off x="2080073" y="3634944"/>
+              <a:ext cx="6857019" cy="0"/>
             </a:xfrm>
             <a:custGeom>
               <a:avLst/>
               <a:pathLst>
-                <a:path w="6855275" h="0">
+                <a:path w="6857019" h="0">
                   <a:moveTo>
                     <a:pt x="0" y="0"/>
                   </a:moveTo>
                   <a:lnTo>
-                    <a:pt x="6855275" y="0"/>
-                  </a:lnTo>
-                  <a:lnTo>
-                    <a:pt x="6855275" y="0"/>
+                    <a:pt x="6857019" y="0"/>
+                  </a:lnTo>
+                  <a:lnTo>
+                    <a:pt x="6857019" y="0"/>
                   </a:lnTo>
                 </a:path>
               </a:pathLst>
@@ -3863,21 +3863,21 @@
           </p:nvSpPr>
           <p:spPr>
             <a:xfrm>
-              <a:off x="2081816" y="3444186"/>
-              <a:ext cx="6855275" cy="0"/>
+              <a:off x="2080073" y="3444880"/>
+              <a:ext cx="6857019" cy="0"/>
             </a:xfrm>
             <a:custGeom>
               <a:avLst/>
               <a:pathLst>
-                <a:path w="6855275" h="0">
+                <a:path w="6857019" h="0">
                   <a:moveTo>
                     <a:pt x="0" y="0"/>
                   </a:moveTo>
                   <a:lnTo>
-                    <a:pt x="6855275" y="0"/>
-                  </a:lnTo>
-                  <a:lnTo>
-                    <a:pt x="6855275" y="0"/>
+                    <a:pt x="6857019" y="0"/>
+                  </a:lnTo>
+                  <a:lnTo>
+                    <a:pt x="6857019" y="0"/>
                   </a:lnTo>
                 </a:path>
               </a:pathLst>
@@ -3906,21 +3906,21 @@
           </p:nvSpPr>
           <p:spPr>
             <a:xfrm>
-              <a:off x="2081816" y="3254381"/>
-              <a:ext cx="6855275" cy="0"/>
+              <a:off x="2080073" y="3254816"/>
+              <a:ext cx="6857019" cy="0"/>
             </a:xfrm>
             <a:custGeom>
               <a:avLst/>
               <a:pathLst>
-                <a:path w="6855275" h="0">
+                <a:path w="6857019" h="0">
                   <a:moveTo>
                     <a:pt x="0" y="0"/>
                   </a:moveTo>
                   <a:lnTo>
-                    <a:pt x="6855275" y="0"/>
-                  </a:lnTo>
-                  <a:lnTo>
-                    <a:pt x="6855275" y="0"/>
+                    <a:pt x="6857019" y="0"/>
+                  </a:lnTo>
+                  <a:lnTo>
+                    <a:pt x="6857019" y="0"/>
                   </a:lnTo>
                 </a:path>
               </a:pathLst>
@@ -3949,21 +3949,21 @@
           </p:nvSpPr>
           <p:spPr>
             <a:xfrm>
-              <a:off x="2081816" y="3064576"/>
-              <a:ext cx="6855275" cy="0"/>
+              <a:off x="2080073" y="3064752"/>
+              <a:ext cx="6857019" cy="0"/>
             </a:xfrm>
             <a:custGeom>
               <a:avLst/>
               <a:pathLst>
-                <a:path w="6855275" h="0">
+                <a:path w="6857019" h="0">
                   <a:moveTo>
                     <a:pt x="0" y="0"/>
                   </a:moveTo>
                   <a:lnTo>
-                    <a:pt x="6855275" y="0"/>
-                  </a:lnTo>
-                  <a:lnTo>
-                    <a:pt x="6855275" y="0"/>
+                    <a:pt x="6857019" y="0"/>
+                  </a:lnTo>
+                  <a:lnTo>
+                    <a:pt x="6857019" y="0"/>
                   </a:lnTo>
                 </a:path>
               </a:pathLst>
@@ -3992,21 +3992,21 @@
           </p:nvSpPr>
           <p:spPr>
             <a:xfrm>
-              <a:off x="2081816" y="2874771"/>
-              <a:ext cx="6855275" cy="0"/>
+              <a:off x="2080073" y="2874688"/>
+              <a:ext cx="6857019" cy="0"/>
             </a:xfrm>
             <a:custGeom>
               <a:avLst/>
               <a:pathLst>
-                <a:path w="6855275" h="0">
+                <a:path w="6857019" h="0">
                   <a:moveTo>
                     <a:pt x="0" y="0"/>
                   </a:moveTo>
                   <a:lnTo>
-                    <a:pt x="6855275" y="0"/>
-                  </a:lnTo>
-                  <a:lnTo>
-                    <a:pt x="6855275" y="0"/>
+                    <a:pt x="6857019" y="0"/>
+                  </a:lnTo>
+                  <a:lnTo>
+                    <a:pt x="6857019" y="0"/>
                   </a:lnTo>
                 </a:path>
               </a:pathLst>
@@ -4035,21 +4035,21 @@
           </p:nvSpPr>
           <p:spPr>
             <a:xfrm>
-              <a:off x="2081816" y="2684966"/>
-              <a:ext cx="6855275" cy="0"/>
+              <a:off x="2080073" y="2684623"/>
+              <a:ext cx="6857019" cy="0"/>
             </a:xfrm>
             <a:custGeom>
               <a:avLst/>
               <a:pathLst>
-                <a:path w="6855275" h="0">
+                <a:path w="6857019" h="0">
                   <a:moveTo>
                     <a:pt x="0" y="0"/>
                   </a:moveTo>
                   <a:lnTo>
-                    <a:pt x="6855275" y="0"/>
-                  </a:lnTo>
-                  <a:lnTo>
-                    <a:pt x="6855275" y="0"/>
+                    <a:pt x="6857019" y="0"/>
+                  </a:lnTo>
+                  <a:lnTo>
+                    <a:pt x="6857019" y="0"/>
                   </a:lnTo>
                 </a:path>
               </a:pathLst>
@@ -4078,21 +4078,21 @@
           </p:nvSpPr>
           <p:spPr>
             <a:xfrm>
-              <a:off x="2081816" y="2495161"/>
-              <a:ext cx="6855275" cy="0"/>
+              <a:off x="2080073" y="2494559"/>
+              <a:ext cx="6857019" cy="0"/>
             </a:xfrm>
             <a:custGeom>
               <a:avLst/>
               <a:pathLst>
-                <a:path w="6855275" h="0">
+                <a:path w="6857019" h="0">
                   <a:moveTo>
                     <a:pt x="0" y="0"/>
                   </a:moveTo>
                   <a:lnTo>
-                    <a:pt x="6855275" y="0"/>
-                  </a:lnTo>
-                  <a:lnTo>
-                    <a:pt x="6855275" y="0"/>
+                    <a:pt x="6857019" y="0"/>
+                  </a:lnTo>
+                  <a:lnTo>
+                    <a:pt x="6857019" y="0"/>
                   </a:lnTo>
                 </a:path>
               </a:pathLst>
@@ -4121,21 +4121,21 @@
           </p:nvSpPr>
           <p:spPr>
             <a:xfrm>
-              <a:off x="2081816" y="2305356"/>
-              <a:ext cx="6855275" cy="0"/>
+              <a:off x="2080073" y="2304495"/>
+              <a:ext cx="6857019" cy="0"/>
             </a:xfrm>
             <a:custGeom>
               <a:avLst/>
               <a:pathLst>
-                <a:path w="6855275" h="0">
+                <a:path w="6857019" h="0">
                   <a:moveTo>
                     <a:pt x="0" y="0"/>
                   </a:moveTo>
                   <a:lnTo>
-                    <a:pt x="6855275" y="0"/>
-                  </a:lnTo>
-                  <a:lnTo>
-                    <a:pt x="6855275" y="0"/>
+                    <a:pt x="6857019" y="0"/>
+                  </a:lnTo>
+                  <a:lnTo>
+                    <a:pt x="6857019" y="0"/>
                   </a:lnTo>
                 </a:path>
               </a:pathLst>
@@ -4164,21 +4164,21 @@
           </p:nvSpPr>
           <p:spPr>
             <a:xfrm>
-              <a:off x="2081816" y="2115550"/>
-              <a:ext cx="6855275" cy="0"/>
+              <a:off x="2080073" y="2114431"/>
+              <a:ext cx="6857019" cy="0"/>
             </a:xfrm>
             <a:custGeom>
               <a:avLst/>
               <a:pathLst>
-                <a:path w="6855275" h="0">
+                <a:path w="6857019" h="0">
                   <a:moveTo>
                     <a:pt x="0" y="0"/>
                   </a:moveTo>
                   <a:lnTo>
-                    <a:pt x="6855275" y="0"/>
-                  </a:lnTo>
-                  <a:lnTo>
-                    <a:pt x="6855275" y="0"/>
+                    <a:pt x="6857019" y="0"/>
+                  </a:lnTo>
+                  <a:lnTo>
+                    <a:pt x="6857019" y="0"/>
                   </a:lnTo>
                 </a:path>
               </a:pathLst>
@@ -4207,21 +4207,21 @@
           </p:nvSpPr>
           <p:spPr>
             <a:xfrm>
-              <a:off x="2081816" y="1925745"/>
-              <a:ext cx="6855275" cy="0"/>
+              <a:off x="2080073" y="1924367"/>
+              <a:ext cx="6857019" cy="0"/>
             </a:xfrm>
             <a:custGeom>
               <a:avLst/>
               <a:pathLst>
-                <a:path w="6855275" h="0">
+                <a:path w="6857019" h="0">
                   <a:moveTo>
                     <a:pt x="0" y="0"/>
                   </a:moveTo>
                   <a:lnTo>
-                    <a:pt x="6855275" y="0"/>
-                  </a:lnTo>
-                  <a:lnTo>
-                    <a:pt x="6855275" y="0"/>
+                    <a:pt x="6857019" y="0"/>
+                  </a:lnTo>
+                  <a:lnTo>
+                    <a:pt x="6857019" y="0"/>
                   </a:lnTo>
                 </a:path>
               </a:pathLst>
@@ -4250,15 +4250,15 @@
           </p:nvSpPr>
           <p:spPr>
             <a:xfrm>
-              <a:off x="2081816" y="1811862"/>
-              <a:ext cx="0" cy="3834063"/>
+              <a:off x="2080073" y="1810329"/>
+              <a:ext cx="0" cy="3839294"/>
             </a:xfrm>
             <a:custGeom>
               <a:avLst/>
               <a:pathLst>
-                <a:path w="0" h="3834063">
+                <a:path w="0" h="3839294">
                   <a:moveTo>
-                    <a:pt x="0" y="3834063"/>
+                    <a:pt x="0" y="3839294"/>
                   </a:moveTo>
                   <a:lnTo>
                     <a:pt x="0" y="0"/>
@@ -4293,15 +4293,15 @@
           </p:nvSpPr>
           <p:spPr>
             <a:xfrm>
-              <a:off x="3762031" y="1811862"/>
-              <a:ext cx="0" cy="3834063"/>
+              <a:off x="3760715" y="1810329"/>
+              <a:ext cx="0" cy="3839294"/>
             </a:xfrm>
             <a:custGeom>
               <a:avLst/>
               <a:pathLst>
-                <a:path w="0" h="3834063">
+                <a:path w="0" h="3839294">
                   <a:moveTo>
-                    <a:pt x="0" y="3834063"/>
+                    <a:pt x="0" y="3839294"/>
                   </a:moveTo>
                   <a:lnTo>
                     <a:pt x="0" y="0"/>
@@ -4336,15 +4336,15 @@
           </p:nvSpPr>
           <p:spPr>
             <a:xfrm>
-              <a:off x="5442246" y="1811862"/>
-              <a:ext cx="0" cy="3834063"/>
+              <a:off x="5441357" y="1810329"/>
+              <a:ext cx="0" cy="3839294"/>
             </a:xfrm>
             <a:custGeom>
               <a:avLst/>
               <a:pathLst>
-                <a:path w="0" h="3834063">
+                <a:path w="0" h="3839294">
                   <a:moveTo>
-                    <a:pt x="0" y="3834063"/>
+                    <a:pt x="0" y="3839294"/>
                   </a:moveTo>
                   <a:lnTo>
                     <a:pt x="0" y="0"/>
@@ -4379,15 +4379,15 @@
           </p:nvSpPr>
           <p:spPr>
             <a:xfrm>
-              <a:off x="7122460" y="1811862"/>
-              <a:ext cx="0" cy="3834063"/>
+              <a:off x="7121999" y="1810329"/>
+              <a:ext cx="0" cy="3839294"/>
             </a:xfrm>
             <a:custGeom>
               <a:avLst/>
               <a:pathLst>
-                <a:path w="0" h="3834063">
+                <a:path w="0" h="3839294">
                   <a:moveTo>
-                    <a:pt x="0" y="3834063"/>
+                    <a:pt x="0" y="3839294"/>
                   </a:moveTo>
                   <a:lnTo>
                     <a:pt x="0" y="0"/>
@@ -4422,15 +4422,15 @@
           </p:nvSpPr>
           <p:spPr>
             <a:xfrm>
-              <a:off x="8802675" y="1811862"/>
-              <a:ext cx="0" cy="3834063"/>
+              <a:off x="8802641" y="1810329"/>
+              <a:ext cx="0" cy="3839294"/>
             </a:xfrm>
             <a:custGeom>
               <a:avLst/>
               <a:pathLst>
-                <a:path w="0" h="3834063">
+                <a:path w="0" h="3839294">
                   <a:moveTo>
-                    <a:pt x="0" y="3834063"/>
+                    <a:pt x="0" y="3839294"/>
                   </a:moveTo>
                   <a:lnTo>
                     <a:pt x="0" y="0"/>
@@ -4465,8 +4465,8 @@
           </p:nvSpPr>
           <p:spPr>
             <a:xfrm>
-              <a:off x="2081816" y="1840333"/>
-              <a:ext cx="6720858" cy="170824"/>
+              <a:off x="2080073" y="1838838"/>
+              <a:ext cx="6722567" cy="171057"/>
             </a:xfrm>
             <a:prstGeom prst="rect">
               <a:avLst/>
@@ -4491,8 +4491,8 @@
           </p:nvSpPr>
           <p:spPr>
             <a:xfrm>
-              <a:off x="2081816" y="2030138"/>
-              <a:ext cx="3730076" cy="170824"/>
+              <a:off x="2080073" y="2028902"/>
+              <a:ext cx="3731025" cy="171057"/>
             </a:xfrm>
             <a:prstGeom prst="rect">
               <a:avLst/>
@@ -4517,8 +4517,8 @@
           </p:nvSpPr>
           <p:spPr>
             <a:xfrm>
-              <a:off x="2081816" y="2219943"/>
-              <a:ext cx="3494846" cy="170824"/>
+              <a:off x="2080073" y="2218966"/>
+              <a:ext cx="3495735" cy="171057"/>
             </a:xfrm>
             <a:prstGeom prst="rect">
               <a:avLst/>
@@ -4543,8 +4543,8 @@
           </p:nvSpPr>
           <p:spPr>
             <a:xfrm>
-              <a:off x="2081816" y="2409748"/>
-              <a:ext cx="2117070" cy="170824"/>
+              <a:off x="2080073" y="2409031"/>
+              <a:ext cx="2117608" cy="171057"/>
             </a:xfrm>
             <a:prstGeom prst="rect">
               <a:avLst/>
@@ -4569,8 +4569,8 @@
           </p:nvSpPr>
           <p:spPr>
             <a:xfrm>
-              <a:off x="2081816" y="2599553"/>
-              <a:ext cx="2117070" cy="170824"/>
+              <a:off x="2080073" y="2599095"/>
+              <a:ext cx="2117608" cy="171057"/>
             </a:xfrm>
             <a:prstGeom prst="rect">
               <a:avLst/>
@@ -4595,8 +4595,8 @@
           </p:nvSpPr>
           <p:spPr>
             <a:xfrm>
-              <a:off x="2081816" y="2789359"/>
-              <a:ext cx="1411380" cy="170824"/>
+              <a:off x="2080073" y="2789159"/>
+              <a:ext cx="1411739" cy="171057"/>
             </a:xfrm>
             <a:prstGeom prst="rect">
               <a:avLst/>
@@ -4621,8 +4621,8 @@
           </p:nvSpPr>
           <p:spPr>
             <a:xfrm>
-              <a:off x="2081816" y="2979164"/>
-              <a:ext cx="1377776" cy="170824"/>
+              <a:off x="2080073" y="2979223"/>
+              <a:ext cx="1378126" cy="171057"/>
             </a:xfrm>
             <a:prstGeom prst="rect">
               <a:avLst/>
@@ -4647,8 +4647,8 @@
           </p:nvSpPr>
           <p:spPr>
             <a:xfrm>
-              <a:off x="2081816" y="3168969"/>
-              <a:ext cx="1310567" cy="170824"/>
+              <a:off x="2080073" y="3169287"/>
+              <a:ext cx="1310900" cy="171057"/>
             </a:xfrm>
             <a:prstGeom prst="rect">
               <a:avLst/>
@@ -4673,8 +4673,8 @@
           </p:nvSpPr>
           <p:spPr>
             <a:xfrm>
-              <a:off x="2081816" y="3358774"/>
-              <a:ext cx="1176150" cy="170824"/>
+              <a:off x="2080073" y="3359351"/>
+              <a:ext cx="1176449" cy="171057"/>
             </a:xfrm>
             <a:prstGeom prst="rect">
               <a:avLst/>
@@ -4699,8 +4699,8 @@
           </p:nvSpPr>
           <p:spPr>
             <a:xfrm>
-              <a:off x="2081816" y="3548579"/>
-              <a:ext cx="1176150" cy="170824"/>
+              <a:off x="2080073" y="3549415"/>
+              <a:ext cx="1176449" cy="171057"/>
             </a:xfrm>
             <a:prstGeom prst="rect">
               <a:avLst/>
@@ -4725,8 +4725,8 @@
           </p:nvSpPr>
           <p:spPr>
             <a:xfrm>
-              <a:off x="2081816" y="3738384"/>
-              <a:ext cx="1041733" cy="170824"/>
+              <a:off x="2080073" y="3739479"/>
+              <a:ext cx="1041998" cy="171057"/>
             </a:xfrm>
             <a:prstGeom prst="rect">
               <a:avLst/>
@@ -4751,8 +4751,8 @@
           </p:nvSpPr>
           <p:spPr>
             <a:xfrm>
-              <a:off x="2081816" y="3928190"/>
-              <a:ext cx="705690" cy="170824"/>
+              <a:off x="2080073" y="3929543"/>
+              <a:ext cx="705869" cy="171057"/>
             </a:xfrm>
             <a:prstGeom prst="rect">
               <a:avLst/>
@@ -4777,8 +4777,8 @@
           </p:nvSpPr>
           <p:spPr>
             <a:xfrm>
-              <a:off x="2081816" y="4117995"/>
-              <a:ext cx="638481" cy="170824"/>
+              <a:off x="2080073" y="4119607"/>
+              <a:ext cx="638643" cy="171057"/>
             </a:xfrm>
             <a:prstGeom prst="rect">
               <a:avLst/>
@@ -4803,8 +4803,8 @@
           </p:nvSpPr>
           <p:spPr>
             <a:xfrm>
-              <a:off x="2081816" y="4307800"/>
-              <a:ext cx="571272" cy="170824"/>
+              <a:off x="2080073" y="4309671"/>
+              <a:ext cx="571418" cy="171057"/>
             </a:xfrm>
             <a:prstGeom prst="rect">
               <a:avLst/>
@@ -4829,8 +4829,8 @@
           </p:nvSpPr>
           <p:spPr>
             <a:xfrm>
-              <a:off x="2081816" y="4497605"/>
-              <a:ext cx="571272" cy="170824"/>
+              <a:off x="2080073" y="4499735"/>
+              <a:ext cx="571418" cy="171057"/>
             </a:xfrm>
             <a:prstGeom prst="rect">
               <a:avLst/>
@@ -4855,8 +4855,8 @@
           </p:nvSpPr>
           <p:spPr>
             <a:xfrm>
-              <a:off x="2081816" y="4687410"/>
-              <a:ext cx="571272" cy="170824"/>
+              <a:off x="2080073" y="4689800"/>
+              <a:ext cx="571418" cy="171057"/>
             </a:xfrm>
             <a:prstGeom prst="rect">
               <a:avLst/>
@@ -4881,8 +4881,8 @@
           </p:nvSpPr>
           <p:spPr>
             <a:xfrm>
-              <a:off x="2081816" y="4877215"/>
-              <a:ext cx="504064" cy="170824"/>
+              <a:off x="2080073" y="4879864"/>
+              <a:ext cx="504192" cy="171057"/>
             </a:xfrm>
             <a:prstGeom prst="rect">
               <a:avLst/>
@@ -4907,8 +4907,8 @@
           </p:nvSpPr>
           <p:spPr>
             <a:xfrm>
-              <a:off x="2081816" y="5067020"/>
-              <a:ext cx="470460" cy="170824"/>
+              <a:off x="2080073" y="5069928"/>
+              <a:ext cx="470579" cy="171057"/>
             </a:xfrm>
             <a:prstGeom prst="rect">
               <a:avLst/>
@@ -4933,8 +4933,8 @@
           </p:nvSpPr>
           <p:spPr>
             <a:xfrm>
-              <a:off x="2081816" y="5256826"/>
-              <a:ext cx="403251" cy="170824"/>
+              <a:off x="2080073" y="5259992"/>
+              <a:ext cx="403354" cy="171057"/>
             </a:xfrm>
             <a:prstGeom prst="rect">
               <a:avLst/>
@@ -4959,8 +4959,8 @@
           </p:nvSpPr>
           <p:spPr>
             <a:xfrm>
-              <a:off x="2081816" y="5446631"/>
-              <a:ext cx="3158803" cy="170824"/>
+              <a:off x="2080073" y="5450056"/>
+              <a:ext cx="3159606" cy="171057"/>
             </a:xfrm>
             <a:prstGeom prst="rect">
               <a:avLst/>
@@ -4985,7 +4985,7 @@
           </p:nvSpPr>
           <p:spPr>
             <a:xfrm>
-              <a:off x="8433853" y="1861311"/>
+              <a:off x="8433779" y="1859933"/>
               <a:ext cx="38111" cy="95277"/>
             </a:xfrm>
             <a:custGeom>
@@ -5106,7 +5106,7 @@
           </p:nvSpPr>
           <p:spPr>
             <a:xfrm>
-              <a:off x="8488479" y="1861311"/>
+              <a:off x="8488405" y="1859933"/>
               <a:ext cx="42769" cy="93584"/>
             </a:xfrm>
             <a:custGeom>
@@ -5515,7 +5515,7 @@
           </p:nvSpPr>
           <p:spPr>
             <a:xfrm>
-              <a:off x="8542258" y="1860041"/>
+              <a:off x="8542184" y="1858663"/>
               <a:ext cx="96548" cy="19055"/>
             </a:xfrm>
             <a:custGeom>
@@ -5624,7 +5624,7 @@
           </p:nvSpPr>
           <p:spPr>
             <a:xfrm>
-              <a:off x="8554962" y="1887142"/>
+              <a:off x="8554887" y="1885764"/>
               <a:ext cx="69023" cy="70717"/>
             </a:xfrm>
             <a:custGeom>
@@ -5829,7 +5829,7 @@
           </p:nvSpPr>
           <p:spPr>
             <a:xfrm>
-              <a:off x="8563431" y="1895188"/>
+              <a:off x="8563357" y="1893809"/>
               <a:ext cx="52085" cy="16514"/>
             </a:xfrm>
             <a:custGeom>
@@ -5872,7 +5872,7 @@
           </p:nvSpPr>
           <p:spPr>
             <a:xfrm>
-              <a:off x="8541835" y="1923559"/>
+              <a:off x="8541760" y="1922181"/>
               <a:ext cx="33453" cy="30065"/>
             </a:xfrm>
             <a:custGeom>
@@ -5969,7 +5969,7 @@
           </p:nvSpPr>
           <p:spPr>
             <a:xfrm>
-              <a:off x="8604083" y="1923559"/>
+              <a:off x="8604008" y="1922181"/>
               <a:ext cx="32606" cy="30065"/>
             </a:xfrm>
             <a:custGeom>
@@ -6066,7 +6066,7 @@
           </p:nvSpPr>
           <p:spPr>
             <a:xfrm>
-              <a:off x="5440954" y="2049846"/>
+              <a:off x="5440119" y="2048727"/>
               <a:ext cx="96548" cy="98242"/>
             </a:xfrm>
             <a:custGeom>
@@ -6271,7 +6271,7 @@
           </p:nvSpPr>
           <p:spPr>
             <a:xfrm>
-              <a:off x="5553593" y="2050269"/>
+              <a:off x="5552758" y="2049150"/>
               <a:ext cx="91890" cy="96971"/>
             </a:xfrm>
             <a:custGeom>
@@ -6602,7 +6602,7 @@
           </p:nvSpPr>
           <p:spPr>
             <a:xfrm>
-              <a:off x="5618382" y="2112094"/>
+              <a:off x="5617547" y="2110975"/>
               <a:ext cx="30488" cy="31335"/>
             </a:xfrm>
             <a:custGeom>
@@ -6699,7 +6699,7 @@
           </p:nvSpPr>
           <p:spPr>
             <a:xfrm>
-              <a:off x="5552746" y="2112517"/>
+              <a:off x="5551911" y="2111398"/>
               <a:ext cx="31759" cy="30912"/>
             </a:xfrm>
             <a:custGeom>
@@ -6796,7 +6796,7 @@
           </p:nvSpPr>
           <p:spPr>
             <a:xfrm>
-              <a:off x="5211229" y="2240921"/>
+              <a:off x="5210334" y="2240061"/>
               <a:ext cx="20749" cy="16938"/>
             </a:xfrm>
             <a:custGeom>
@@ -6893,7 +6893,7 @@
           </p:nvSpPr>
           <p:spPr>
             <a:xfrm>
-              <a:off x="5206994" y="2267176"/>
+              <a:off x="5206099" y="2266315"/>
               <a:ext cx="21596" cy="17785"/>
             </a:xfrm>
             <a:custGeom>
@@ -6990,7 +6990,7 @@
           </p:nvSpPr>
           <p:spPr>
             <a:xfrm>
-              <a:off x="5207841" y="2293006"/>
+              <a:off x="5206946" y="2292146"/>
               <a:ext cx="27101" cy="44039"/>
             </a:xfrm>
             <a:custGeom>
@@ -7087,7 +7087,7 @@
           </p:nvSpPr>
           <p:spPr>
             <a:xfrm>
-              <a:off x="5237906" y="2246003"/>
+              <a:off x="5237012" y="2245143"/>
               <a:ext cx="67329" cy="88079"/>
             </a:xfrm>
             <a:custGeom>
@@ -7154,7 +7154,7 @@
           </p:nvSpPr>
           <p:spPr>
             <a:xfrm>
-              <a:off x="5316669" y="2240074"/>
+              <a:off x="5315775" y="2239214"/>
               <a:ext cx="95277" cy="32182"/>
             </a:xfrm>
             <a:custGeom>
@@ -7245,7 +7245,7 @@
           </p:nvSpPr>
           <p:spPr>
             <a:xfrm>
-              <a:off x="5315822" y="2270140"/>
+              <a:off x="5314928" y="2269280"/>
               <a:ext cx="79609" cy="67329"/>
             </a:xfrm>
             <a:custGeom>
@@ -7630,7 +7630,7 @@
           </p:nvSpPr>
           <p:spPr>
             <a:xfrm>
-              <a:off x="5396279" y="2294277"/>
+              <a:off x="5395384" y="2293417"/>
               <a:ext cx="17361" cy="25830"/>
             </a:xfrm>
             <a:custGeom>
@@ -7727,7 +7727,7 @@
           </p:nvSpPr>
           <p:spPr>
             <a:xfrm>
-              <a:off x="5315822" y="2296394"/>
+              <a:off x="5314928" y="2295534"/>
               <a:ext cx="19902" cy="22866"/>
             </a:xfrm>
             <a:custGeom>
@@ -7824,7 +7824,7 @@
           </p:nvSpPr>
           <p:spPr>
             <a:xfrm>
-              <a:off x="4366143" y="2445643"/>
+              <a:off x="4364978" y="2445041"/>
               <a:ext cx="20749" cy="16938"/>
             </a:xfrm>
             <a:custGeom>
@@ -7921,7 +7921,7 @@
           </p:nvSpPr>
           <p:spPr>
             <a:xfrm>
-              <a:off x="4361908" y="2471897"/>
+              <a:off x="4360743" y="2471296"/>
               <a:ext cx="21596" cy="17785"/>
             </a:xfrm>
             <a:custGeom>
@@ -8018,7 +8018,7 @@
           </p:nvSpPr>
           <p:spPr>
             <a:xfrm>
-              <a:off x="4362755" y="2497728"/>
+              <a:off x="4361590" y="2497127"/>
               <a:ext cx="27101" cy="44039"/>
             </a:xfrm>
             <a:custGeom>
@@ -8115,7 +8115,7 @@
           </p:nvSpPr>
           <p:spPr>
             <a:xfrm>
-              <a:off x="4392821" y="2450724"/>
+              <a:off x="4391656" y="2450123"/>
               <a:ext cx="67329" cy="88079"/>
             </a:xfrm>
             <a:custGeom>
@@ -8182,7 +8182,7 @@
           </p:nvSpPr>
           <p:spPr>
             <a:xfrm>
-              <a:off x="4471584" y="2448183"/>
+              <a:off x="4470419" y="2447582"/>
               <a:ext cx="95701" cy="94007"/>
             </a:xfrm>
             <a:custGeom>
@@ -8261,7 +8261,7 @@
           </p:nvSpPr>
           <p:spPr>
             <a:xfrm>
-              <a:off x="4512236" y="2456229"/>
+              <a:off x="4511071" y="2455628"/>
               <a:ext cx="14820" cy="17785"/>
             </a:xfrm>
             <a:custGeom>
@@ -8304,7 +8304,7 @@
           </p:nvSpPr>
           <p:spPr>
             <a:xfrm>
-              <a:off x="4485981" y="2482060"/>
+              <a:off x="4484816" y="2481459"/>
               <a:ext cx="66906" cy="44039"/>
             </a:xfrm>
             <a:custGeom>
@@ -8512,7 +8512,7 @@
           </p:nvSpPr>
           <p:spPr>
             <a:xfrm>
-              <a:off x="4535526" y="2482060"/>
+              <a:off x="4534361" y="2481459"/>
               <a:ext cx="17361" cy="19479"/>
             </a:xfrm>
             <a:custGeom>
@@ -8642,7 +8642,7 @@
           </p:nvSpPr>
           <p:spPr>
             <a:xfrm>
-              <a:off x="4365296" y="2636295"/>
+              <a:off x="4364131" y="2635952"/>
               <a:ext cx="92313" cy="91043"/>
             </a:xfrm>
             <a:custGeom>
@@ -8709,7 +8709,7 @@
           </p:nvSpPr>
           <p:spPr>
             <a:xfrm>
-              <a:off x="4474548" y="2635448"/>
+              <a:off x="4473383" y="2635105"/>
               <a:ext cx="22866" cy="19479"/>
             </a:xfrm>
             <a:custGeom>
@@ -8806,7 +8806,7 @@
           </p:nvSpPr>
           <p:spPr>
             <a:xfrm>
-              <a:off x="4470313" y="2661702"/>
+              <a:off x="4469148" y="2661360"/>
               <a:ext cx="21596" cy="17785"/>
             </a:xfrm>
             <a:custGeom>
@@ -8903,7 +8903,7 @@
           </p:nvSpPr>
           <p:spPr>
             <a:xfrm>
-              <a:off x="4469890" y="2688380"/>
+              <a:off x="4468725" y="2688038"/>
               <a:ext cx="23290" cy="43616"/>
             </a:xfrm>
             <a:custGeom>
@@ -9000,7 +9000,7 @@
           </p:nvSpPr>
           <p:spPr>
             <a:xfrm>
-              <a:off x="4494874" y="2634177"/>
+              <a:off x="4493709" y="2633835"/>
               <a:ext cx="69446" cy="33029"/>
             </a:xfrm>
             <a:custGeom>
@@ -9136,7 +9136,7 @@
           </p:nvSpPr>
           <p:spPr>
             <a:xfrm>
-              <a:off x="4497415" y="2660432"/>
+              <a:off x="4496250" y="2660089"/>
               <a:ext cx="71564" cy="71564"/>
             </a:xfrm>
             <a:custGeom>
@@ -9416,7 +9416,7 @@
           </p:nvSpPr>
           <p:spPr>
             <a:xfrm>
-              <a:off x="4516470" y="2667631"/>
+              <a:off x="4515305" y="2667288"/>
               <a:ext cx="35570" cy="17361"/>
             </a:xfrm>
             <a:custGeom>
@@ -9513,7 +9513,7 @@
           </p:nvSpPr>
           <p:spPr>
             <a:xfrm>
-              <a:off x="4525786" y="2669748"/>
+              <a:off x="4524621" y="2669406"/>
               <a:ext cx="14820" cy="13550"/>
             </a:xfrm>
             <a:custGeom>
@@ -9610,7 +9610,7 @@
           </p:nvSpPr>
           <p:spPr>
             <a:xfrm>
-              <a:off x="4512659" y="2692614"/>
+              <a:off x="4511494" y="2692272"/>
               <a:ext cx="38534" cy="17361"/>
             </a:xfrm>
             <a:custGeom>
@@ -9680,7 +9680,7 @@
           </p:nvSpPr>
           <p:spPr>
             <a:xfrm>
-              <a:off x="4524939" y="2694308"/>
+              <a:off x="4523774" y="2693966"/>
               <a:ext cx="15244" cy="13974"/>
             </a:xfrm>
             <a:custGeom>
@@ -9777,7 +9777,7 @@
           </p:nvSpPr>
           <p:spPr>
             <a:xfrm>
-              <a:off x="3701952" y="2826100"/>
+              <a:off x="3700607" y="2826016"/>
               <a:ext cx="52085" cy="95277"/>
             </a:xfrm>
             <a:custGeom>
@@ -10021,7 +10021,7 @@
           </p:nvSpPr>
           <p:spPr>
             <a:xfrm>
-              <a:off x="3658335" y="2826100"/>
+              <a:off x="3656991" y="2826016"/>
               <a:ext cx="19902" cy="18632"/>
             </a:xfrm>
             <a:custGeom>
@@ -10118,7 +10118,7 @@
           </p:nvSpPr>
           <p:spPr>
             <a:xfrm>
-              <a:off x="3655795" y="2851507"/>
+              <a:off x="3654450" y="2851424"/>
               <a:ext cx="20325" cy="18632"/>
             </a:xfrm>
             <a:custGeom>
@@ -10215,7 +10215,7 @@
           </p:nvSpPr>
           <p:spPr>
             <a:xfrm>
-              <a:off x="3655795" y="2879879"/>
+              <a:off x="3654450" y="2879796"/>
               <a:ext cx="20749" cy="42345"/>
             </a:xfrm>
             <a:custGeom>
@@ -10312,7 +10312,7 @@
           </p:nvSpPr>
           <p:spPr>
             <a:xfrm>
-              <a:off x="3678238" y="2824406"/>
+              <a:off x="3676894" y="2824323"/>
               <a:ext cx="30912" cy="96971"/>
             </a:xfrm>
             <a:custGeom>
@@ -10658,7 +10658,7 @@
           </p:nvSpPr>
           <p:spPr>
             <a:xfrm>
-              <a:off x="3768858" y="2825253"/>
+              <a:off x="3767513" y="2825170"/>
               <a:ext cx="20749" cy="16938"/>
             </a:xfrm>
             <a:custGeom>
@@ -10755,7 +10755,7 @@
           </p:nvSpPr>
           <p:spPr>
             <a:xfrm>
-              <a:off x="3764623" y="2851507"/>
+              <a:off x="3763279" y="2851424"/>
               <a:ext cx="21596" cy="17785"/>
             </a:xfrm>
             <a:custGeom>
@@ -10852,7 +10852,7 @@
           </p:nvSpPr>
           <p:spPr>
             <a:xfrm>
-              <a:off x="3765470" y="2877338"/>
+              <a:off x="3764126" y="2877255"/>
               <a:ext cx="27101" cy="44039"/>
             </a:xfrm>
             <a:custGeom>
@@ -10949,7 +10949,7 @@
           </p:nvSpPr>
           <p:spPr>
             <a:xfrm>
-              <a:off x="3795536" y="2830334"/>
+              <a:off x="3794191" y="2830251"/>
               <a:ext cx="67329" cy="88079"/>
             </a:xfrm>
             <a:custGeom>
@@ -11016,7 +11016,7 @@
           </p:nvSpPr>
           <p:spPr>
             <a:xfrm>
-              <a:off x="3645057" y="3014211"/>
+              <a:off x="3643704" y="3014387"/>
               <a:ext cx="35570" cy="84691"/>
             </a:xfrm>
             <a:custGeom>
@@ -11101,7 +11101,7 @@
           </p:nvSpPr>
           <p:spPr>
             <a:xfrm>
-              <a:off x="3655220" y="3065026"/>
+              <a:off x="3653867" y="3065202"/>
               <a:ext cx="13974" cy="19902"/>
             </a:xfrm>
             <a:custGeom>
@@ -11144,7 +11144,7 @@
           </p:nvSpPr>
           <p:spPr>
             <a:xfrm>
-              <a:off x="3673429" y="3016752"/>
+              <a:off x="3672076" y="3016927"/>
               <a:ext cx="43616" cy="94430"/>
             </a:xfrm>
             <a:custGeom>
@@ -11406,7 +11406,7 @@
           </p:nvSpPr>
           <p:spPr>
             <a:xfrm>
-              <a:off x="3692061" y="3024798"/>
+              <a:off x="3690708" y="3024973"/>
               <a:ext cx="16514" cy="16938"/>
             </a:xfrm>
             <a:custGeom>
@@ -11449,7 +11449,7 @@
           </p:nvSpPr>
           <p:spPr>
             <a:xfrm>
-              <a:off x="3692061" y="3049358"/>
+              <a:off x="3690708" y="3049534"/>
               <a:ext cx="16514" cy="17361"/>
             </a:xfrm>
             <a:custGeom>
@@ -11492,7 +11492,7 @@
           </p:nvSpPr>
           <p:spPr>
             <a:xfrm>
-              <a:off x="3624731" y="3015905"/>
+              <a:off x="3623378" y="3016081"/>
               <a:ext cx="19902" cy="18632"/>
             </a:xfrm>
             <a:custGeom>
@@ -11589,7 +11589,7 @@
           </p:nvSpPr>
           <p:spPr>
             <a:xfrm>
-              <a:off x="3622190" y="3041312"/>
+              <a:off x="3620837" y="3041488"/>
               <a:ext cx="20325" cy="18632"/>
             </a:xfrm>
             <a:custGeom>
@@ -11686,7 +11686,7 @@
           </p:nvSpPr>
           <p:spPr>
             <a:xfrm>
-              <a:off x="3622190" y="3069684"/>
+              <a:off x="3620837" y="3069860"/>
               <a:ext cx="20749" cy="42345"/>
             </a:xfrm>
             <a:custGeom>
@@ -11783,7 +11783,7 @@
           </p:nvSpPr>
           <p:spPr>
             <a:xfrm>
-              <a:off x="3731866" y="3015058"/>
+              <a:off x="3730513" y="3015234"/>
               <a:ext cx="38111" cy="95277"/>
             </a:xfrm>
             <a:custGeom>
@@ -11904,7 +11904,7 @@
           </p:nvSpPr>
           <p:spPr>
             <a:xfrm>
-              <a:off x="3786492" y="3015058"/>
+              <a:off x="3785139" y="3015234"/>
               <a:ext cx="42769" cy="93584"/>
             </a:xfrm>
             <a:custGeom>
@@ -12313,7 +12313,7 @@
           </p:nvSpPr>
           <p:spPr>
             <a:xfrm>
-              <a:off x="3554558" y="3203169"/>
+              <a:off x="3553188" y="3203604"/>
               <a:ext cx="37687" cy="98242"/>
             </a:xfrm>
             <a:custGeom>
@@ -12587,7 +12587,7 @@
           </p:nvSpPr>
           <p:spPr>
             <a:xfrm>
-              <a:off x="3594363" y="3207404"/>
+              <a:off x="3592993" y="3207838"/>
               <a:ext cx="56319" cy="7622"/>
             </a:xfrm>
             <a:custGeom>
@@ -12630,7 +12630,7 @@
           </p:nvSpPr>
           <p:spPr>
             <a:xfrm>
-              <a:off x="3598174" y="3222648"/>
+              <a:off x="3596804" y="3223083"/>
               <a:ext cx="48697" cy="24137"/>
             </a:xfrm>
             <a:custGeom>
@@ -12673,7 +12673,7 @@
           </p:nvSpPr>
           <p:spPr>
             <a:xfrm>
-              <a:off x="3606220" y="3229847"/>
+              <a:off x="3604850" y="3230282"/>
               <a:ext cx="32606" cy="9739"/>
             </a:xfrm>
             <a:custGeom>
@@ -12716,7 +12716,7 @@
           </p:nvSpPr>
           <p:spPr>
             <a:xfrm>
-              <a:off x="3594787" y="3254408"/>
+              <a:off x="3593417" y="3254842"/>
               <a:ext cx="55896" cy="47003"/>
             </a:xfrm>
             <a:custGeom>
@@ -12771,7 +12771,7 @@
           </p:nvSpPr>
           <p:spPr>
             <a:xfrm>
-              <a:off x="3602832" y="3262030"/>
+              <a:off x="3601462" y="3262464"/>
               <a:ext cx="16091" cy="10162"/>
             </a:xfrm>
             <a:custGeom>
@@ -12814,7 +12814,7 @@
           </p:nvSpPr>
           <p:spPr>
             <a:xfrm>
-              <a:off x="3626546" y="3262030"/>
+              <a:off x="3625176" y="3262464"/>
               <a:ext cx="15667" cy="10162"/>
             </a:xfrm>
             <a:custGeom>
@@ -12857,7 +12857,7 @@
           </p:nvSpPr>
           <p:spPr>
             <a:xfrm>
-              <a:off x="3602832" y="3278968"/>
+              <a:off x="3601462" y="3279403"/>
               <a:ext cx="16091" cy="9739"/>
             </a:xfrm>
             <a:custGeom>
@@ -12900,7 +12900,7 @@
           </p:nvSpPr>
           <p:spPr>
             <a:xfrm>
-              <a:off x="3626546" y="3278968"/>
+              <a:off x="3625176" y="3279403"/>
               <a:ext cx="15667" cy="9739"/>
             </a:xfrm>
             <a:custGeom>
@@ -12943,7 +12943,7 @@
           </p:nvSpPr>
           <p:spPr>
             <a:xfrm>
-              <a:off x="3665081" y="3209521"/>
+              <a:off x="3663711" y="3209956"/>
               <a:ext cx="97818" cy="91890"/>
             </a:xfrm>
             <a:custGeom>
@@ -13283,7 +13283,7 @@
           </p:nvSpPr>
           <p:spPr>
             <a:xfrm>
-              <a:off x="3695146" y="3204016"/>
+              <a:off x="3693776" y="3204451"/>
               <a:ext cx="66059" cy="82997"/>
             </a:xfrm>
             <a:custGeom>
@@ -13434,7 +13434,7 @@
           </p:nvSpPr>
           <p:spPr>
             <a:xfrm>
-              <a:off x="3731140" y="3218837"/>
+              <a:off x="3729770" y="3219272"/>
               <a:ext cx="15244" cy="7198"/>
             </a:xfrm>
             <a:custGeom>
@@ -13477,7 +13477,7 @@
           </p:nvSpPr>
           <p:spPr>
             <a:xfrm>
-              <a:off x="3731140" y="3233658"/>
+              <a:off x="3729770" y="3234093"/>
               <a:ext cx="15244" cy="7198"/>
             </a:xfrm>
             <a:custGeom>
@@ -13520,7 +13520,7 @@
           </p:nvSpPr>
           <p:spPr>
             <a:xfrm>
-              <a:off x="3425223" y="3394668"/>
+              <a:off x="3423818" y="3395362"/>
               <a:ext cx="20749" cy="16938"/>
             </a:xfrm>
             <a:custGeom>
@@ -13617,7 +13617,7 @@
           </p:nvSpPr>
           <p:spPr>
             <a:xfrm>
-              <a:off x="3420988" y="3420923"/>
+              <a:off x="3419584" y="3421616"/>
               <a:ext cx="21596" cy="17785"/>
             </a:xfrm>
             <a:custGeom>
@@ -13714,7 +13714,7 @@
           </p:nvSpPr>
           <p:spPr>
             <a:xfrm>
-              <a:off x="3421835" y="3446754"/>
+              <a:off x="3420431" y="3447447"/>
               <a:ext cx="27101" cy="44039"/>
             </a:xfrm>
             <a:custGeom>
@@ -13811,7 +13811,7 @@
           </p:nvSpPr>
           <p:spPr>
             <a:xfrm>
-              <a:off x="3451900" y="3399750"/>
+              <a:off x="3450496" y="3400443"/>
               <a:ext cx="66482" cy="91466"/>
             </a:xfrm>
             <a:custGeom>
@@ -14016,7 +14016,7 @@
           </p:nvSpPr>
           <p:spPr>
             <a:xfrm>
-              <a:off x="3456982" y="3424310"/>
+              <a:off x="3455578" y="3425004"/>
               <a:ext cx="32182" cy="43192"/>
             </a:xfrm>
             <a:custGeom>
@@ -14065,7 +14065,7 @@
           </p:nvSpPr>
           <p:spPr>
             <a:xfrm>
-              <a:off x="3465028" y="3431509"/>
+              <a:off x="3463623" y="3432203"/>
               <a:ext cx="16091" cy="22443"/>
             </a:xfrm>
             <a:custGeom>
@@ -14108,7 +14108,7 @@
           </p:nvSpPr>
           <p:spPr>
             <a:xfrm>
-              <a:off x="3529817" y="3393821"/>
+              <a:off x="3528412" y="3394515"/>
               <a:ext cx="97395" cy="97395"/>
             </a:xfrm>
             <a:custGeom>
@@ -14349,7 +14349,7 @@
           </p:nvSpPr>
           <p:spPr>
             <a:xfrm>
-              <a:off x="3547602" y="3431509"/>
+              <a:off x="3546198" y="3432203"/>
               <a:ext cx="60977" cy="55049"/>
             </a:xfrm>
             <a:custGeom>
@@ -14560,7 +14560,7 @@
           </p:nvSpPr>
           <p:spPr>
             <a:xfrm>
-              <a:off x="3428610" y="3584050"/>
+              <a:off x="3427206" y="3585002"/>
               <a:ext cx="81727" cy="97818"/>
             </a:xfrm>
             <a:custGeom>
@@ -14633,7 +14633,7 @@
           </p:nvSpPr>
           <p:spPr>
             <a:xfrm>
-              <a:off x="3532357" y="3583627"/>
+              <a:off x="3530953" y="3584579"/>
               <a:ext cx="91890" cy="96971"/>
             </a:xfrm>
             <a:custGeom>
@@ -14964,7 +14964,7 @@
           </p:nvSpPr>
           <p:spPr>
             <a:xfrm>
-              <a:off x="3597146" y="3645451"/>
+              <a:off x="3595742" y="3646404"/>
               <a:ext cx="30488" cy="31335"/>
             </a:xfrm>
             <a:custGeom>
@@ -15061,7 +15061,7 @@
           </p:nvSpPr>
           <p:spPr>
             <a:xfrm>
-              <a:off x="3531510" y="3645875"/>
+              <a:off x="3530106" y="3646827"/>
               <a:ext cx="31759" cy="30912"/>
             </a:xfrm>
             <a:custGeom>
@@ -15158,7 +15158,7 @@
           </p:nvSpPr>
           <p:spPr>
             <a:xfrm>
-              <a:off x="3289112" y="3776396"/>
+              <a:off x="3287673" y="3777607"/>
               <a:ext cx="93160" cy="71140"/>
             </a:xfrm>
             <a:custGeom>
@@ -15249,7 +15249,7 @@
           </p:nvSpPr>
           <p:spPr>
             <a:xfrm>
-              <a:off x="3306050" y="3783595"/>
+              <a:off x="3304612" y="3784806"/>
               <a:ext cx="25407" cy="24137"/>
             </a:xfrm>
             <a:custGeom>
@@ -15292,7 +15292,7 @@
           </p:nvSpPr>
           <p:spPr>
             <a:xfrm>
-              <a:off x="3311555" y="3787406"/>
+              <a:off x="3310117" y="3788617"/>
               <a:ext cx="13974" cy="16514"/>
             </a:xfrm>
             <a:custGeom>
@@ -15389,7 +15389,7 @@
           </p:nvSpPr>
           <p:spPr>
             <a:xfrm>
-              <a:off x="3339503" y="3783595"/>
+              <a:off x="3338065" y="3784806"/>
               <a:ext cx="25407" cy="24137"/>
             </a:xfrm>
             <a:custGeom>
@@ -15432,7 +15432,7 @@
           </p:nvSpPr>
           <p:spPr>
             <a:xfrm>
-              <a:off x="3344585" y="3786982"/>
+              <a:off x="3343146" y="3788194"/>
               <a:ext cx="14820" cy="17361"/>
             </a:xfrm>
             <a:custGeom>
@@ -15529,7 +15529,7 @@
           </p:nvSpPr>
           <p:spPr>
             <a:xfrm>
-              <a:off x="3286571" y="3848807"/>
+              <a:off x="3285133" y="3850018"/>
               <a:ext cx="20325" cy="22443"/>
             </a:xfrm>
             <a:custGeom>
@@ -15626,7 +15626,7 @@
           </p:nvSpPr>
           <p:spPr>
             <a:xfrm>
-              <a:off x="3364064" y="3848807"/>
+              <a:off x="3362625" y="3850018"/>
               <a:ext cx="19902" cy="22443"/>
             </a:xfrm>
             <a:custGeom>
@@ -15723,7 +15723,7 @@
           </p:nvSpPr>
           <p:spPr>
             <a:xfrm>
-              <a:off x="3315366" y="3849654"/>
+              <a:off x="3313928" y="3850865"/>
               <a:ext cx="15244" cy="20749"/>
             </a:xfrm>
             <a:custGeom>
@@ -15820,7 +15820,7 @@
           </p:nvSpPr>
           <p:spPr>
             <a:xfrm>
-              <a:off x="3340350" y="3849654"/>
+              <a:off x="3338912" y="3850865"/>
               <a:ext cx="16514" cy="20325"/>
             </a:xfrm>
             <a:custGeom>
@@ -15917,7 +15917,7 @@
           </p:nvSpPr>
           <p:spPr>
             <a:xfrm>
-              <a:off x="3394976" y="3773432"/>
+              <a:off x="3393538" y="3774643"/>
               <a:ext cx="94854" cy="97395"/>
             </a:xfrm>
             <a:custGeom>
@@ -16092,7 +16092,7 @@
           </p:nvSpPr>
           <p:spPr>
             <a:xfrm>
-              <a:off x="3455107" y="3774702"/>
+              <a:off x="3453668" y="3775913"/>
               <a:ext cx="19479" cy="17361"/>
             </a:xfrm>
             <a:custGeom>
@@ -16189,7 +16189,7 @@
           </p:nvSpPr>
           <p:spPr>
             <a:xfrm>
-              <a:off x="3420383" y="3808155"/>
+              <a:off x="3418945" y="3809367"/>
               <a:ext cx="70293" cy="60554"/>
             </a:xfrm>
             <a:custGeom>
@@ -16604,7 +16604,7 @@
           </p:nvSpPr>
           <p:spPr>
             <a:xfrm>
-              <a:off x="3507616" y="3774279"/>
+              <a:off x="3506177" y="3775490"/>
               <a:ext cx="20749" cy="16938"/>
             </a:xfrm>
             <a:custGeom>
@@ -16701,7 +16701,7 @@
           </p:nvSpPr>
           <p:spPr>
             <a:xfrm>
-              <a:off x="3503381" y="3800533"/>
+              <a:off x="3501943" y="3801744"/>
               <a:ext cx="21596" cy="17785"/>
             </a:xfrm>
             <a:custGeom>
@@ -16798,7 +16798,7 @@
           </p:nvSpPr>
           <p:spPr>
             <a:xfrm>
-              <a:off x="3504228" y="3826364"/>
+              <a:off x="3502789" y="3827575"/>
               <a:ext cx="27101" cy="44039"/>
             </a:xfrm>
             <a:custGeom>
@@ -16895,7 +16895,7 @@
           </p:nvSpPr>
           <p:spPr>
             <a:xfrm>
-              <a:off x="3534293" y="3779360"/>
+              <a:off x="3532855" y="3780571"/>
               <a:ext cx="67329" cy="88079"/>
             </a:xfrm>
             <a:custGeom>
@@ -16962,7 +16962,7 @@
           </p:nvSpPr>
           <p:spPr>
             <a:xfrm>
-              <a:off x="2961114" y="3970436"/>
+              <a:off x="2959591" y="3971906"/>
               <a:ext cx="76645" cy="8045"/>
             </a:xfrm>
             <a:custGeom>
@@ -17005,7 +17005,7 @@
           </p:nvSpPr>
           <p:spPr>
             <a:xfrm>
-              <a:off x="2951798" y="3999654"/>
+              <a:off x="2950275" y="4001124"/>
               <a:ext cx="95277" cy="60977"/>
             </a:xfrm>
             <a:custGeom>
@@ -17243,7 +17243,7 @@
           </p:nvSpPr>
           <p:spPr>
             <a:xfrm>
-              <a:off x="3059356" y="3963237"/>
+              <a:off x="3057833" y="3964707"/>
               <a:ext cx="97395" cy="97395"/>
             </a:xfrm>
             <a:custGeom>
@@ -17484,7 +17484,7 @@
           </p:nvSpPr>
           <p:spPr>
             <a:xfrm>
-              <a:off x="3077142" y="4000925"/>
+              <a:off x="3075618" y="4002395"/>
               <a:ext cx="60977" cy="55049"/>
             </a:xfrm>
             <a:custGeom>
@@ -17695,7 +17695,7 @@
           </p:nvSpPr>
           <p:spPr>
             <a:xfrm>
-              <a:off x="2887977" y="4156430"/>
+              <a:off x="2886437" y="4158159"/>
               <a:ext cx="88925" cy="94007"/>
             </a:xfrm>
             <a:custGeom>
@@ -17750,7 +17750,7 @@
           </p:nvSpPr>
           <p:spPr>
             <a:xfrm>
-              <a:off x="2896447" y="4164475"/>
+              <a:off x="2894906" y="4166205"/>
               <a:ext cx="71987" cy="71987"/>
             </a:xfrm>
             <a:custGeom>
@@ -17793,7 +17793,7 @@
           </p:nvSpPr>
           <p:spPr>
             <a:xfrm>
-              <a:off x="2898140" y="4160664"/>
+              <a:off x="2896599" y="4162393"/>
               <a:ext cx="25407" cy="66059"/>
             </a:xfrm>
             <a:custGeom>
@@ -17950,7 +17950,7 @@
           </p:nvSpPr>
           <p:spPr>
             <a:xfrm>
-              <a:off x="2938792" y="4160664"/>
+              <a:off x="2937251" y="4162393"/>
               <a:ext cx="24137" cy="59283"/>
             </a:xfrm>
             <a:custGeom>
@@ -18173,7 +18173,7 @@
           </p:nvSpPr>
           <p:spPr>
             <a:xfrm>
-              <a:off x="3071334" y="4155159"/>
+              <a:off x="3069793" y="4156889"/>
               <a:ext cx="8469" cy="94007"/>
             </a:xfrm>
             <a:custGeom>
@@ -18216,7 +18216,7 @@
           </p:nvSpPr>
           <p:spPr>
             <a:xfrm>
-              <a:off x="2992571" y="4157277"/>
+              <a:off x="2991030" y="4159006"/>
               <a:ext cx="21596" cy="92737"/>
             </a:xfrm>
             <a:custGeom>
@@ -18319,7 +18319,7 @@
           </p:nvSpPr>
           <p:spPr>
             <a:xfrm>
-              <a:off x="3037881" y="4159817"/>
+              <a:off x="3036340" y="4161547"/>
               <a:ext cx="8469" cy="78339"/>
             </a:xfrm>
             <a:custGeom>
@@ -18362,7 +18362,7 @@
           </p:nvSpPr>
           <p:spPr>
             <a:xfrm>
-              <a:off x="2820345" y="4343694"/>
+              <a:off x="2818787" y="4345682"/>
               <a:ext cx="20749" cy="16938"/>
             </a:xfrm>
             <a:custGeom>
@@ -18459,7 +18459,7 @@
           </p:nvSpPr>
           <p:spPr>
             <a:xfrm>
-              <a:off x="2816111" y="4369948"/>
+              <a:off x="2814553" y="4371937"/>
               <a:ext cx="21596" cy="17785"/>
             </a:xfrm>
             <a:custGeom>
@@ -18556,7 +18556,7 @@
           </p:nvSpPr>
           <p:spPr>
             <a:xfrm>
-              <a:off x="2816958" y="4395779"/>
+              <a:off x="2815400" y="4397767"/>
               <a:ext cx="27101" cy="44039"/>
             </a:xfrm>
             <a:custGeom>
@@ -18653,7 +18653,7 @@
           </p:nvSpPr>
           <p:spPr>
             <a:xfrm>
-              <a:off x="2847023" y="4348776"/>
+              <a:off x="2845465" y="4350764"/>
               <a:ext cx="66482" cy="91466"/>
             </a:xfrm>
             <a:custGeom>
@@ -18858,7 +18858,7 @@
           </p:nvSpPr>
           <p:spPr>
             <a:xfrm>
-              <a:off x="2852105" y="4373336"/>
+              <a:off x="2850547" y="4375324"/>
               <a:ext cx="32182" cy="43192"/>
             </a:xfrm>
             <a:custGeom>
@@ -18907,7 +18907,7 @@
           </p:nvSpPr>
           <p:spPr>
             <a:xfrm>
-              <a:off x="2860150" y="4380535"/>
+              <a:off x="2858592" y="4382523"/>
               <a:ext cx="16091" cy="22443"/>
             </a:xfrm>
             <a:custGeom>
@@ -18950,7 +18950,7 @@
           </p:nvSpPr>
           <p:spPr>
             <a:xfrm>
-              <a:off x="2925363" y="4343694"/>
+              <a:off x="2923805" y="4345682"/>
               <a:ext cx="38111" cy="95277"/>
             </a:xfrm>
             <a:custGeom>
@@ -19071,7 +19071,7 @@
           </p:nvSpPr>
           <p:spPr>
             <a:xfrm>
-              <a:off x="2979989" y="4343694"/>
+              <a:off x="2978431" y="4345682"/>
               <a:ext cx="42769" cy="93584"/>
             </a:xfrm>
             <a:custGeom>
@@ -19480,7 +19480,7 @@
           </p:nvSpPr>
           <p:spPr>
             <a:xfrm>
-              <a:off x="2838554" y="4532652"/>
+              <a:off x="2836996" y="4534899"/>
               <a:ext cx="35570" cy="84691"/>
             </a:xfrm>
             <a:custGeom>
@@ -19565,7 +19565,7 @@
           </p:nvSpPr>
           <p:spPr>
             <a:xfrm>
-              <a:off x="2848717" y="4583467"/>
+              <a:off x="2847159" y="4585714"/>
               <a:ext cx="13974" cy="19902"/>
             </a:xfrm>
             <a:custGeom>
@@ -19608,7 +19608,7 @@
           </p:nvSpPr>
           <p:spPr>
             <a:xfrm>
-              <a:off x="2866926" y="4535193"/>
+              <a:off x="2865368" y="4537440"/>
               <a:ext cx="43616" cy="94430"/>
             </a:xfrm>
             <a:custGeom>
@@ -19870,7 +19870,7 @@
           </p:nvSpPr>
           <p:spPr>
             <a:xfrm>
-              <a:off x="2885558" y="4543239"/>
+              <a:off x="2884000" y="4545486"/>
               <a:ext cx="16514" cy="16938"/>
             </a:xfrm>
             <a:custGeom>
@@ -19913,7 +19913,7 @@
           </p:nvSpPr>
           <p:spPr>
             <a:xfrm>
-              <a:off x="2885558" y="4567799"/>
+              <a:off x="2884000" y="4570046"/>
               <a:ext cx="16514" cy="17361"/>
             </a:xfrm>
             <a:custGeom>
@@ -19956,7 +19956,7 @@
           </p:nvSpPr>
           <p:spPr>
             <a:xfrm>
-              <a:off x="2818228" y="4534346"/>
+              <a:off x="2816670" y="4536593"/>
               <a:ext cx="19902" cy="18632"/>
             </a:xfrm>
             <a:custGeom>
@@ -20053,7 +20053,7 @@
           </p:nvSpPr>
           <p:spPr>
             <a:xfrm>
-              <a:off x="2815687" y="4559754"/>
+              <a:off x="2814129" y="4562001"/>
               <a:ext cx="20325" cy="18632"/>
             </a:xfrm>
             <a:custGeom>
@@ -20150,7 +20150,7 @@
           </p:nvSpPr>
           <p:spPr>
             <a:xfrm>
-              <a:off x="2815687" y="4588125"/>
+              <a:off x="2814129" y="4590372"/>
               <a:ext cx="20749" cy="42345"/>
             </a:xfrm>
             <a:custGeom>
@@ -20247,7 +20247,7 @@
           </p:nvSpPr>
           <p:spPr>
             <a:xfrm>
-              <a:off x="2924939" y="4532652"/>
+              <a:off x="2923381" y="4534899"/>
               <a:ext cx="97395" cy="97395"/>
             </a:xfrm>
             <a:custGeom>
@@ -20488,7 +20488,7 @@
           </p:nvSpPr>
           <p:spPr>
             <a:xfrm>
-              <a:off x="2942725" y="4570340"/>
+              <a:off x="2941166" y="4572587"/>
               <a:ext cx="60977" cy="55049"/>
             </a:xfrm>
             <a:custGeom>
@@ -20699,7 +20699,7 @@
           </p:nvSpPr>
           <p:spPr>
             <a:xfrm>
-              <a:off x="2823733" y="4722881"/>
+              <a:off x="2822175" y="4725387"/>
               <a:ext cx="81727" cy="97818"/>
             </a:xfrm>
             <a:custGeom>
@@ -20772,7 +20772,7 @@
           </p:nvSpPr>
           <p:spPr>
             <a:xfrm>
-              <a:off x="2925786" y="4725845"/>
+              <a:off x="2924228" y="4728351"/>
               <a:ext cx="95701" cy="94007"/>
             </a:xfrm>
             <a:custGeom>
@@ -20851,7 +20851,7 @@
           </p:nvSpPr>
           <p:spPr>
             <a:xfrm>
-              <a:off x="2966438" y="4733891"/>
+              <a:off x="2964880" y="4736397"/>
               <a:ext cx="14820" cy="17785"/>
             </a:xfrm>
             <a:custGeom>
@@ -20894,7 +20894,7 @@
           </p:nvSpPr>
           <p:spPr>
             <a:xfrm>
-              <a:off x="2940184" y="4759722"/>
+              <a:off x="2938626" y="4762228"/>
               <a:ext cx="66906" cy="44039"/>
             </a:xfrm>
             <a:custGeom>
@@ -21102,7 +21102,7 @@
           </p:nvSpPr>
           <p:spPr>
             <a:xfrm>
-              <a:off x="2989728" y="4759722"/>
+              <a:off x="2988170" y="4762228"/>
               <a:ext cx="17361" cy="19479"/>
             </a:xfrm>
             <a:custGeom>
@@ -21232,7 +21232,7 @@
           </p:nvSpPr>
           <p:spPr>
             <a:xfrm>
-              <a:off x="2752290" y="4916074"/>
+              <a:off x="2750715" y="4918839"/>
               <a:ext cx="31759" cy="93584"/>
             </a:xfrm>
             <a:custGeom>
@@ -21530,7 +21530,7 @@
           </p:nvSpPr>
           <p:spPr>
             <a:xfrm>
-              <a:off x="2781508" y="4912263"/>
+              <a:off x="2779933" y="4915028"/>
               <a:ext cx="66482" cy="98665"/>
             </a:xfrm>
             <a:custGeom>
@@ -21798,7 +21798,7 @@
           </p:nvSpPr>
           <p:spPr>
             <a:xfrm>
-              <a:off x="2790401" y="4938517"/>
+              <a:off x="2788826" y="4941282"/>
               <a:ext cx="15244" cy="22866"/>
             </a:xfrm>
             <a:custGeom>
@@ -21895,7 +21895,7 @@
           </p:nvSpPr>
           <p:spPr>
             <a:xfrm>
-              <a:off x="2824701" y="4938517"/>
+              <a:off x="2823126" y="4941282"/>
               <a:ext cx="16938" cy="23290"/>
             </a:xfrm>
             <a:custGeom>
@@ -21992,7 +21992,7 @@
           </p:nvSpPr>
           <p:spPr>
             <a:xfrm>
-              <a:off x="2858578" y="4915650"/>
+              <a:off x="2857002" y="4918415"/>
               <a:ext cx="95701" cy="94007"/>
             </a:xfrm>
             <a:custGeom>
@@ -22071,7 +22071,7 @@
           </p:nvSpPr>
           <p:spPr>
             <a:xfrm>
-              <a:off x="2899230" y="4923696"/>
+              <a:off x="2897654" y="4926461"/>
               <a:ext cx="14820" cy="17785"/>
             </a:xfrm>
             <a:custGeom>
@@ -22114,7 +22114,7 @@
           </p:nvSpPr>
           <p:spPr>
             <a:xfrm>
-              <a:off x="2872975" y="4949527"/>
+              <a:off x="2871400" y="4952292"/>
               <a:ext cx="66906" cy="44039"/>
             </a:xfrm>
             <a:custGeom>
@@ -22322,7 +22322,7 @@
           </p:nvSpPr>
           <p:spPr>
             <a:xfrm>
-              <a:off x="2922520" y="4949527"/>
+              <a:off x="2920945" y="4952292"/>
               <a:ext cx="17361" cy="19479"/>
             </a:xfrm>
             <a:custGeom>
@@ -22452,7 +22452,7 @@
           </p:nvSpPr>
           <p:spPr>
             <a:xfrm>
-              <a:off x="2716145" y="5107149"/>
+              <a:off x="2714561" y="5110173"/>
               <a:ext cx="96971" cy="92737"/>
             </a:xfrm>
             <a:custGeom>
@@ -22732,7 +22732,7 @@
           </p:nvSpPr>
           <p:spPr>
             <a:xfrm>
-              <a:off x="2827938" y="5102915"/>
+              <a:off x="2826354" y="5105939"/>
               <a:ext cx="22866" cy="19479"/>
             </a:xfrm>
             <a:custGeom>
@@ -22829,7 +22829,7 @@
           </p:nvSpPr>
           <p:spPr>
             <a:xfrm>
-              <a:off x="2823703" y="5129169"/>
+              <a:off x="2822119" y="5132193"/>
               <a:ext cx="21596" cy="17785"/>
             </a:xfrm>
             <a:custGeom>
@@ -22926,7 +22926,7 @@
           </p:nvSpPr>
           <p:spPr>
             <a:xfrm>
-              <a:off x="2823280" y="5155847"/>
+              <a:off x="2821696" y="5158871"/>
               <a:ext cx="23290" cy="43616"/>
             </a:xfrm>
             <a:custGeom>
@@ -23023,7 +23023,7 @@
           </p:nvSpPr>
           <p:spPr>
             <a:xfrm>
-              <a:off x="2847840" y="5101644"/>
+              <a:off x="2846256" y="5104668"/>
               <a:ext cx="74951" cy="97818"/>
             </a:xfrm>
             <a:custGeom>
@@ -23174,7 +23174,7 @@
           </p:nvSpPr>
           <p:spPr>
             <a:xfrm>
-              <a:off x="2887645" y="5118159"/>
+              <a:off x="2886061" y="5121183"/>
               <a:ext cx="18208" cy="8469"/>
             </a:xfrm>
             <a:custGeom>
@@ -23217,7 +23217,7 @@
           </p:nvSpPr>
           <p:spPr>
             <a:xfrm>
-              <a:off x="2887645" y="5133827"/>
+              <a:off x="2886061" y="5136851"/>
               <a:ext cx="18208" cy="8892"/>
             </a:xfrm>
             <a:custGeom>
@@ -23260,7 +23260,7 @@
           </p:nvSpPr>
           <p:spPr>
             <a:xfrm>
-              <a:off x="2652324" y="5292720"/>
+              <a:off x="2650723" y="5296003"/>
               <a:ext cx="22866" cy="19479"/>
             </a:xfrm>
             <a:custGeom>
@@ -23357,7 +23357,7 @@
           </p:nvSpPr>
           <p:spPr>
             <a:xfrm>
-              <a:off x="2648089" y="5318974"/>
+              <a:off x="2646489" y="5322257"/>
               <a:ext cx="21596" cy="17785"/>
             </a:xfrm>
             <a:custGeom>
@@ -23454,7 +23454,7 @@
           </p:nvSpPr>
           <p:spPr>
             <a:xfrm>
-              <a:off x="2647666" y="5345652"/>
+              <a:off x="2646065" y="5348935"/>
               <a:ext cx="23290" cy="43616"/>
             </a:xfrm>
             <a:custGeom>
@@ -23551,7 +23551,7 @@
           </p:nvSpPr>
           <p:spPr>
             <a:xfrm>
-              <a:off x="2672650" y="5291449"/>
+              <a:off x="2671049" y="5294732"/>
               <a:ext cx="69446" cy="33029"/>
             </a:xfrm>
             <a:custGeom>
@@ -23687,7 +23687,7 @@
           </p:nvSpPr>
           <p:spPr>
             <a:xfrm>
-              <a:off x="2675191" y="5317704"/>
+              <a:off x="2673590" y="5320987"/>
               <a:ext cx="71564" cy="71564"/>
             </a:xfrm>
             <a:custGeom>
@@ -23967,7 +23967,7 @@
           </p:nvSpPr>
           <p:spPr>
             <a:xfrm>
-              <a:off x="2694246" y="5324903"/>
+              <a:off x="2692645" y="5328185"/>
               <a:ext cx="35570" cy="17361"/>
             </a:xfrm>
             <a:custGeom>
@@ -24064,7 +24064,7 @@
           </p:nvSpPr>
           <p:spPr>
             <a:xfrm>
-              <a:off x="2703562" y="5327020"/>
+              <a:off x="2701961" y="5330303"/>
               <a:ext cx="14820" cy="13550"/>
             </a:xfrm>
             <a:custGeom>
@@ -24161,7 +24161,7 @@
           </p:nvSpPr>
           <p:spPr>
             <a:xfrm>
-              <a:off x="2690435" y="5349887"/>
+              <a:off x="2688834" y="5353169"/>
               <a:ext cx="38534" cy="17361"/>
             </a:xfrm>
             <a:custGeom>
@@ -24231,7 +24231,7 @@
           </p:nvSpPr>
           <p:spPr>
             <a:xfrm>
-              <a:off x="2702715" y="5351580"/>
+              <a:off x="2701115" y="5354863"/>
               <a:ext cx="15244" cy="13974"/>
             </a:xfrm>
             <a:custGeom>
@@ -24328,7 +24328,7 @@
           </p:nvSpPr>
           <p:spPr>
             <a:xfrm>
-              <a:off x="2756918" y="5291873"/>
+              <a:off x="2755317" y="5295156"/>
               <a:ext cx="97395" cy="97395"/>
             </a:xfrm>
             <a:custGeom>
@@ -24569,7 +24569,7 @@
           </p:nvSpPr>
           <p:spPr>
             <a:xfrm>
-              <a:off x="2774703" y="5329561"/>
+              <a:off x="2773102" y="5332843"/>
               <a:ext cx="60977" cy="55049"/>
             </a:xfrm>
             <a:custGeom>
@@ -24780,7 +24780,7 @@
           </p:nvSpPr>
           <p:spPr>
             <a:xfrm>
-              <a:off x="5404065" y="5482102"/>
+              <a:off x="5403165" y="5485643"/>
               <a:ext cx="96971" cy="73258"/>
             </a:xfrm>
             <a:custGeom>
@@ -24871,7 +24871,7 @@
           </p:nvSpPr>
           <p:spPr>
             <a:xfrm>
-              <a:off x="5432860" y="5502427"/>
+              <a:off x="5431960" y="5505969"/>
               <a:ext cx="41498" cy="10162"/>
             </a:xfrm>
             <a:custGeom>
@@ -24914,7 +24914,7 @@
           </p:nvSpPr>
           <p:spPr>
             <a:xfrm>
-              <a:off x="5432860" y="5519789"/>
+              <a:off x="5431960" y="5523331"/>
               <a:ext cx="41498" cy="11009"/>
             </a:xfrm>
             <a:custGeom>
@@ -24957,7 +24957,7 @@
           </p:nvSpPr>
           <p:spPr>
             <a:xfrm>
-              <a:off x="5432860" y="5537998"/>
+              <a:off x="5431960" y="5541540"/>
               <a:ext cx="41498" cy="9739"/>
             </a:xfrm>
             <a:custGeom>
@@ -25000,7 +25000,7 @@
           </p:nvSpPr>
           <p:spPr>
             <a:xfrm>
-              <a:off x="5405759" y="5558324"/>
+              <a:off x="5404859" y="5561866"/>
               <a:ext cx="37264" cy="21172"/>
             </a:xfrm>
             <a:custGeom>
@@ -25097,7 +25097,7 @@
           </p:nvSpPr>
           <p:spPr>
             <a:xfrm>
-              <a:off x="5462078" y="5558324"/>
+              <a:off x="5461179" y="5561866"/>
               <a:ext cx="37687" cy="21172"/>
             </a:xfrm>
             <a:custGeom>
@@ -25194,7 +25194,7 @@
           </p:nvSpPr>
           <p:spPr>
             <a:xfrm>
-              <a:off x="5515011" y="5480831"/>
+              <a:off x="5514111" y="5484373"/>
               <a:ext cx="92313" cy="33876"/>
             </a:xfrm>
             <a:custGeom>
@@ -25315,7 +25315,7 @@
           </p:nvSpPr>
           <p:spPr>
             <a:xfrm>
-              <a:off x="5532796" y="5512590"/>
+              <a:off x="5531896" y="5516132"/>
               <a:ext cx="71987" cy="63095"/>
             </a:xfrm>
             <a:custGeom>
@@ -25724,8 +25724,8 @@
           </p:nvSpPr>
           <p:spPr>
             <a:xfrm>
-              <a:off x="2081816" y="1811862"/>
-              <a:ext cx="6855275" cy="3834063"/>
+              <a:off x="2080073" y="1810329"/>
+              <a:ext cx="6857019" cy="3839294"/>
             </a:xfrm>
             <a:prstGeom prst="rect">
               <a:avLst/>
@@ -25754,7 +25754,7 @@
           </p:nvSpPr>
           <p:spPr>
             <a:xfrm>
-              <a:off x="1926585" y="5492452"/>
+              <a:off x="1924841" y="5495994"/>
               <a:ext cx="53806" cy="78035"/>
             </a:xfrm>
             <a:custGeom>
@@ -26520,7 +26520,7 @@
           </p:nvSpPr>
           <p:spPr>
             <a:xfrm>
-              <a:off x="1989286" y="5492452"/>
+              <a:off x="1987543" y="5495994"/>
               <a:ext cx="53151" cy="79126"/>
             </a:xfrm>
             <a:custGeom>
@@ -26852,7 +26852,7 @@
                     <a:pt x="13055" y="3181"/>
                   </a:lnTo>
                   <a:lnTo>
-                    <a:pt x="13969" y="2684"/>
+                    <a:pt x="13970" y="2684"/>
                   </a:lnTo>
                   <a:lnTo>
                     <a:pt x="14911" y="2242"/>
@@ -27031,7 +27031,7 @@
           </p:nvSpPr>
           <p:spPr>
             <a:xfrm>
-              <a:off x="2004621" y="5504458"/>
+              <a:off x="2002877" y="5507999"/>
               <a:ext cx="22428" cy="55061"/>
             </a:xfrm>
             <a:custGeom>
@@ -27414,7 +27414,7 @@
                     <a:pt x="13448" y="54851"/>
                   </a:lnTo>
                   <a:lnTo>
-                    <a:pt x="13969" y="54734"/>
+                    <a:pt x="13970" y="54734"/>
                   </a:lnTo>
                   <a:lnTo>
                     <a:pt x="14474" y="54589"/>
@@ -27542,7 +27542,7 @@
           </p:nvSpPr>
           <p:spPr>
             <a:xfrm>
-              <a:off x="1929750" y="5303793"/>
+              <a:off x="1928007" y="5307076"/>
               <a:ext cx="52005" cy="76889"/>
             </a:xfrm>
             <a:custGeom>
@@ -27606,7 +27606,7 @@
           </p:nvSpPr>
           <p:spPr>
             <a:xfrm>
-              <a:off x="1988741" y="5302647"/>
+              <a:off x="1986997" y="5305930"/>
               <a:ext cx="54133" cy="79126"/>
             </a:xfrm>
             <a:custGeom>
@@ -28480,7 +28480,7 @@
           </p:nvSpPr>
           <p:spPr>
             <a:xfrm>
-              <a:off x="2004293" y="5314653"/>
+              <a:off x="2002550" y="5317935"/>
               <a:ext cx="22373" cy="27939"/>
             </a:xfrm>
             <a:custGeom>
@@ -28991,7 +28991,7 @@
           </p:nvSpPr>
           <p:spPr>
             <a:xfrm>
-              <a:off x="1929750" y="5113988"/>
+              <a:off x="1928007" y="5117012"/>
               <a:ext cx="52005" cy="76889"/>
             </a:xfrm>
             <a:custGeom>
@@ -29055,7 +29055,7 @@
           </p:nvSpPr>
           <p:spPr>
             <a:xfrm>
-              <a:off x="1988413" y="5112842"/>
+              <a:off x="1986670" y="5115866"/>
               <a:ext cx="55170" cy="79126"/>
             </a:xfrm>
             <a:custGeom>
@@ -30052,7 +30052,7 @@
           </p:nvSpPr>
           <p:spPr>
             <a:xfrm>
-              <a:off x="2005876" y="5123592"/>
+              <a:off x="2004132" y="5126616"/>
               <a:ext cx="20027" cy="21555"/>
             </a:xfrm>
             <a:custGeom>
@@ -30563,7 +30563,7 @@
           </p:nvSpPr>
           <p:spPr>
             <a:xfrm>
-              <a:off x="2004184" y="5155898"/>
+              <a:off x="2002440" y="5158922"/>
               <a:ext cx="23519" cy="25266"/>
             </a:xfrm>
             <a:custGeom>
@@ -31074,7 +31074,7 @@
           </p:nvSpPr>
           <p:spPr>
             <a:xfrm>
-              <a:off x="1929750" y="4924183"/>
+              <a:off x="1928007" y="4926948"/>
               <a:ext cx="52005" cy="76889"/>
             </a:xfrm>
             <a:custGeom>
@@ -31138,7 +31138,7 @@
           </p:nvSpPr>
           <p:spPr>
             <a:xfrm>
-              <a:off x="1989668" y="4924183"/>
+              <a:off x="1987925" y="4926948"/>
               <a:ext cx="52442" cy="76889"/>
             </a:xfrm>
             <a:custGeom>
@@ -31424,7 +31424,7 @@
           </p:nvSpPr>
           <p:spPr>
             <a:xfrm>
-              <a:off x="1929750" y="4734378"/>
+              <a:off x="1928007" y="4736884"/>
               <a:ext cx="52005" cy="76889"/>
             </a:xfrm>
             <a:custGeom>
@@ -31488,7 +31488,7 @@
           </p:nvSpPr>
           <p:spPr>
             <a:xfrm>
-              <a:off x="1988959" y="4733232"/>
+              <a:off x="1987215" y="4735738"/>
               <a:ext cx="54024" cy="79126"/>
             </a:xfrm>
             <a:custGeom>
@@ -32182,7 +32182,7 @@
           </p:nvSpPr>
           <p:spPr>
             <a:xfrm>
-              <a:off x="2005057" y="4773068"/>
+              <a:off x="2003314" y="4775574"/>
               <a:ext cx="22537" cy="27339"/>
             </a:xfrm>
             <a:custGeom>
@@ -32633,7 +32633,7 @@
           </p:nvSpPr>
           <p:spPr>
             <a:xfrm>
-              <a:off x="1929750" y="4544572"/>
+              <a:off x="1928007" y="4546820"/>
               <a:ext cx="52005" cy="76889"/>
             </a:xfrm>
             <a:custGeom>
@@ -32697,7 +32697,7 @@
           </p:nvSpPr>
           <p:spPr>
             <a:xfrm>
-              <a:off x="1988304" y="4544572"/>
+              <a:off x="1986561" y="4546820"/>
               <a:ext cx="55607" cy="77980"/>
             </a:xfrm>
             <a:custGeom>
@@ -33188,7 +33188,7 @@
                     <a:pt x="36870" y="42266"/>
                   </a:lnTo>
                   <a:lnTo>
-                    <a:pt x="36562" y="41909"/>
+                    <a:pt x="36562" y="41910"/>
                   </a:lnTo>
                   <a:lnTo>
                     <a:pt x="36248" y="41568"/>
@@ -33529,7 +33529,7 @@
           </p:nvSpPr>
           <p:spPr>
             <a:xfrm>
-              <a:off x="1929750" y="4354767"/>
+              <a:off x="1928007" y="4356755"/>
               <a:ext cx="52005" cy="76889"/>
             </a:xfrm>
             <a:custGeom>
@@ -33593,7 +33593,7 @@
           </p:nvSpPr>
           <p:spPr>
             <a:xfrm>
-              <a:off x="1986558" y="4354767"/>
+              <a:off x="1984814" y="4356755"/>
               <a:ext cx="59863" cy="76889"/>
             </a:xfrm>
             <a:custGeom>
@@ -33657,7 +33657,7 @@
           </p:nvSpPr>
           <p:spPr>
             <a:xfrm>
-              <a:off x="1999054" y="4368754"/>
+              <a:off x="1997311" y="4370742"/>
               <a:ext cx="22952" cy="35836"/>
             </a:xfrm>
             <a:custGeom>
@@ -33809,7 +33809,7 @@
                     <a:pt x="22327" y="1184"/>
                   </a:lnTo>
                   <a:lnTo>
-                    <a:pt x="22217" y="1397"/>
+                    <a:pt x="22217" y="1396"/>
                   </a:lnTo>
                   <a:lnTo>
                     <a:pt x="22100" y="1620"/>
@@ -33934,7 +33934,7 @@
           </p:nvSpPr>
           <p:spPr>
             <a:xfrm>
-              <a:off x="1929750" y="4164962"/>
+              <a:off x="1928007" y="4166691"/>
               <a:ext cx="52005" cy="76889"/>
             </a:xfrm>
             <a:custGeom>
@@ -33998,7 +33998,7 @@
           </p:nvSpPr>
           <p:spPr>
             <a:xfrm>
-              <a:off x="1987431" y="4163816"/>
+              <a:off x="1985687" y="4165545"/>
               <a:ext cx="55552" cy="79290"/>
             </a:xfrm>
             <a:custGeom>
@@ -34324,7 +34324,7 @@
                     <a:pt x="20590" y="64866"/>
                   </a:lnTo>
                   <a:lnTo>
-                    <a:pt x="20955" y="65102"/>
+                    <a:pt x="20954" y="65102"/>
                   </a:lnTo>
                   <a:lnTo>
                     <a:pt x="21332" y="65325"/>
@@ -34867,7 +34867,7 @@
                     <a:pt x="10815" y="4673"/>
                   </a:lnTo>
                   <a:lnTo>
-                    <a:pt x="11555" y="4190"/>
+                    <a:pt x="11555" y="4191"/>
                   </a:lnTo>
                   <a:lnTo>
                     <a:pt x="12317" y="3735"/>
@@ -35307,7 +35307,7 @@
           </p:nvSpPr>
           <p:spPr>
             <a:xfrm>
-              <a:off x="1929750" y="3975157"/>
+              <a:off x="1928007" y="3976627"/>
               <a:ext cx="52005" cy="76889"/>
             </a:xfrm>
             <a:custGeom>
@@ -35371,7 +35371,7 @@
           </p:nvSpPr>
           <p:spPr>
             <a:xfrm>
-              <a:off x="1988741" y="3974011"/>
+              <a:off x="1986997" y="3975481"/>
               <a:ext cx="53806" cy="78035"/>
             </a:xfrm>
             <a:custGeom>
@@ -36137,7 +36137,7 @@
           </p:nvSpPr>
           <p:spPr>
             <a:xfrm>
-              <a:off x="1929750" y="3785352"/>
+              <a:off x="1928007" y="3786563"/>
               <a:ext cx="52005" cy="76889"/>
             </a:xfrm>
             <a:custGeom>
@@ -36201,7 +36201,7 @@
           </p:nvSpPr>
           <p:spPr>
             <a:xfrm>
-              <a:off x="1991906" y="3785352"/>
+              <a:off x="1990162" y="3786563"/>
               <a:ext cx="52005" cy="76889"/>
             </a:xfrm>
             <a:custGeom>
@@ -36265,7 +36265,7 @@
           </p:nvSpPr>
           <p:spPr>
             <a:xfrm>
-              <a:off x="1929750" y="3595547"/>
+              <a:off x="1928007" y="3596499"/>
               <a:ext cx="52005" cy="76889"/>
             </a:xfrm>
             <a:custGeom>
@@ -36329,7 +36329,7 @@
           </p:nvSpPr>
           <p:spPr>
             <a:xfrm>
-              <a:off x="1989286" y="3594401"/>
+              <a:off x="1987543" y="3595353"/>
               <a:ext cx="53151" cy="79126"/>
             </a:xfrm>
             <a:custGeom>
@@ -36661,7 +36661,7 @@
                     <a:pt x="13055" y="3181"/>
                   </a:lnTo>
                   <a:lnTo>
-                    <a:pt x="13969" y="2684"/>
+                    <a:pt x="13970" y="2684"/>
                   </a:lnTo>
                   <a:lnTo>
                     <a:pt x="14911" y="2242"/>
@@ -36840,7 +36840,7 @@
           </p:nvSpPr>
           <p:spPr>
             <a:xfrm>
-              <a:off x="2004621" y="3606406"/>
+              <a:off x="2002877" y="3607359"/>
               <a:ext cx="22428" cy="55061"/>
             </a:xfrm>
             <a:custGeom>
@@ -37223,7 +37223,7 @@
                     <a:pt x="13448" y="54851"/>
                   </a:lnTo>
                   <a:lnTo>
-                    <a:pt x="13969" y="54734"/>
+                    <a:pt x="13970" y="54734"/>
                   </a:lnTo>
                   <a:lnTo>
                     <a:pt x="14474" y="54589"/>
@@ -37351,7 +37351,7 @@
           </p:nvSpPr>
           <p:spPr>
             <a:xfrm>
-              <a:off x="1988741" y="3404596"/>
+              <a:off x="1986997" y="3405289"/>
               <a:ext cx="54133" cy="79126"/>
             </a:xfrm>
             <a:custGeom>
@@ -38225,13 +38225,13 @@
           </p:nvSpPr>
           <p:spPr>
             <a:xfrm>
-              <a:off x="2004293" y="3416601"/>
-              <a:ext cx="22373" cy="27940"/>
+              <a:off x="2002550" y="3417295"/>
+              <a:ext cx="22373" cy="27939"/>
             </a:xfrm>
             <a:custGeom>
               <a:avLst/>
               <a:pathLst>
-                <a:path w="22373" h="27940">
+                <a:path w="22373" h="27939">
                   <a:moveTo>
                     <a:pt x="22373" y="15607"/>
                   </a:moveTo>
@@ -38593,7 +38593,7 @@
                     <a:pt x="10439" y="27929"/>
                   </a:lnTo>
                   <a:lnTo>
-                    <a:pt x="10968" y="27940"/>
+                    <a:pt x="10968" y="27939"/>
                   </a:lnTo>
                   <a:lnTo>
                     <a:pt x="11393" y="27932"/>
@@ -38736,7 +38736,7 @@
           </p:nvSpPr>
           <p:spPr>
             <a:xfrm>
-              <a:off x="1988413" y="3214790"/>
+              <a:off x="1986670" y="3215225"/>
               <a:ext cx="55170" cy="79126"/>
             </a:xfrm>
             <a:custGeom>
@@ -39733,7 +39733,7 @@
           </p:nvSpPr>
           <p:spPr>
             <a:xfrm>
-              <a:off x="2005876" y="3225541"/>
+              <a:off x="2004132" y="3225975"/>
               <a:ext cx="20027" cy="21555"/>
             </a:xfrm>
             <a:custGeom>
@@ -40244,7 +40244,7 @@
           </p:nvSpPr>
           <p:spPr>
             <a:xfrm>
-              <a:off x="2004184" y="3257846"/>
+              <a:off x="2002440" y="3258281"/>
               <a:ext cx="23519" cy="25266"/>
             </a:xfrm>
             <a:custGeom>
@@ -40755,7 +40755,7 @@
           </p:nvSpPr>
           <p:spPr>
             <a:xfrm>
-              <a:off x="1989668" y="3026131"/>
+              <a:off x="1987925" y="3026307"/>
               <a:ext cx="52442" cy="76889"/>
             </a:xfrm>
             <a:custGeom>
@@ -41041,7 +41041,7 @@
           </p:nvSpPr>
           <p:spPr>
             <a:xfrm>
-              <a:off x="1988959" y="2835180"/>
+              <a:off x="1987215" y="2835097"/>
               <a:ext cx="54024" cy="79126"/>
             </a:xfrm>
             <a:custGeom>
@@ -41735,7 +41735,7 @@
           </p:nvSpPr>
           <p:spPr>
             <a:xfrm>
-              <a:off x="2005057" y="2875017"/>
+              <a:off x="2003314" y="2874933"/>
               <a:ext cx="22537" cy="27339"/>
             </a:xfrm>
             <a:custGeom>
@@ -42186,7 +42186,7 @@
           </p:nvSpPr>
           <p:spPr>
             <a:xfrm>
-              <a:off x="1988304" y="2646521"/>
+              <a:off x="1986561" y="2646179"/>
               <a:ext cx="55607" cy="77980"/>
             </a:xfrm>
             <a:custGeom>
@@ -43018,7 +43018,7 @@
           </p:nvSpPr>
           <p:spPr>
             <a:xfrm>
-              <a:off x="1986558" y="2456716"/>
+              <a:off x="1984814" y="2456115"/>
               <a:ext cx="59863" cy="76889"/>
             </a:xfrm>
             <a:custGeom>
@@ -43082,7 +43082,7 @@
           </p:nvSpPr>
           <p:spPr>
             <a:xfrm>
-              <a:off x="1999054" y="2470702"/>
+              <a:off x="1997311" y="2470101"/>
               <a:ext cx="22952" cy="35836"/>
             </a:xfrm>
             <a:custGeom>
@@ -43359,7 +43359,7 @@
           </p:nvSpPr>
           <p:spPr>
             <a:xfrm>
-              <a:off x="1987431" y="2265765"/>
+              <a:off x="1985687" y="2264905"/>
               <a:ext cx="55552" cy="79290"/>
             </a:xfrm>
             <a:custGeom>
@@ -43685,7 +43685,7 @@
                     <a:pt x="20590" y="64866"/>
                   </a:lnTo>
                   <a:lnTo>
-                    <a:pt x="20955" y="65102"/>
+                    <a:pt x="20954" y="65102"/>
                   </a:lnTo>
                   <a:lnTo>
                     <a:pt x="21332" y="65325"/>
@@ -44668,7 +44668,7 @@
           </p:nvSpPr>
           <p:spPr>
             <a:xfrm>
-              <a:off x="1988741" y="2075960"/>
+              <a:off x="1986997" y="2074840"/>
               <a:ext cx="53806" cy="78035"/>
             </a:xfrm>
             <a:custGeom>
@@ -45434,7 +45434,7 @@
           </p:nvSpPr>
           <p:spPr>
             <a:xfrm>
-              <a:off x="1991906" y="1887300"/>
+              <a:off x="1990162" y="1885922"/>
               <a:ext cx="52005" cy="76889"/>
             </a:xfrm>
             <a:custGeom>
@@ -45498,7 +45498,7 @@
           </p:nvSpPr>
           <p:spPr>
             <a:xfrm>
-              <a:off x="2047022" y="5532043"/>
+              <a:off x="2045278" y="5535585"/>
               <a:ext cx="34794" cy="0"/>
             </a:xfrm>
             <a:custGeom>
@@ -45538,7 +45538,7 @@
           </p:nvSpPr>
           <p:spPr>
             <a:xfrm>
-              <a:off x="2047022" y="5342238"/>
+              <a:off x="2045278" y="5345521"/>
               <a:ext cx="34794" cy="0"/>
             </a:xfrm>
             <a:custGeom>
@@ -45578,7 +45578,7 @@
           </p:nvSpPr>
           <p:spPr>
             <a:xfrm>
-              <a:off x="2047022" y="5152433"/>
+              <a:off x="2045278" y="5155457"/>
               <a:ext cx="34794" cy="0"/>
             </a:xfrm>
             <a:custGeom>
@@ -45618,7 +45618,7 @@
           </p:nvSpPr>
           <p:spPr>
             <a:xfrm>
-              <a:off x="2047022" y="4962628"/>
+              <a:off x="2045278" y="4965393"/>
               <a:ext cx="34794" cy="0"/>
             </a:xfrm>
             <a:custGeom>
@@ -45658,7 +45658,7 @@
           </p:nvSpPr>
           <p:spPr>
             <a:xfrm>
-              <a:off x="2047022" y="4772822"/>
+              <a:off x="2045278" y="4775328"/>
               <a:ext cx="34794" cy="0"/>
             </a:xfrm>
             <a:custGeom>
@@ -45698,7 +45698,7 @@
           </p:nvSpPr>
           <p:spPr>
             <a:xfrm>
-              <a:off x="2047022" y="4583017"/>
+              <a:off x="2045278" y="4585264"/>
               <a:ext cx="34794" cy="0"/>
             </a:xfrm>
             <a:custGeom>
@@ -45738,7 +45738,7 @@
           </p:nvSpPr>
           <p:spPr>
             <a:xfrm>
-              <a:off x="2047022" y="4393212"/>
+              <a:off x="2045278" y="4395200"/>
               <a:ext cx="34794" cy="0"/>
             </a:xfrm>
             <a:custGeom>
@@ -45778,7 +45778,7 @@
           </p:nvSpPr>
           <p:spPr>
             <a:xfrm>
-              <a:off x="2047022" y="4203407"/>
+              <a:off x="2045278" y="4205136"/>
               <a:ext cx="34794" cy="0"/>
             </a:xfrm>
             <a:custGeom>
@@ -45818,7 +45818,7 @@
           </p:nvSpPr>
           <p:spPr>
             <a:xfrm>
-              <a:off x="2047022" y="4013602"/>
+              <a:off x="2045278" y="4015072"/>
               <a:ext cx="34794" cy="0"/>
             </a:xfrm>
             <a:custGeom>
@@ -45858,7 +45858,7 @@
           </p:nvSpPr>
           <p:spPr>
             <a:xfrm>
-              <a:off x="2047022" y="3823797"/>
+              <a:off x="2045278" y="3825008"/>
               <a:ext cx="34794" cy="0"/>
             </a:xfrm>
             <a:custGeom>
@@ -45898,7 +45898,7 @@
           </p:nvSpPr>
           <p:spPr>
             <a:xfrm>
-              <a:off x="2047022" y="3633992"/>
+              <a:off x="2045278" y="3634944"/>
               <a:ext cx="34794" cy="0"/>
             </a:xfrm>
             <a:custGeom>
@@ -45938,7 +45938,7 @@
           </p:nvSpPr>
           <p:spPr>
             <a:xfrm>
-              <a:off x="2047022" y="3444186"/>
+              <a:off x="2045278" y="3444880"/>
               <a:ext cx="34794" cy="0"/>
             </a:xfrm>
             <a:custGeom>
@@ -45978,7 +45978,7 @@
           </p:nvSpPr>
           <p:spPr>
             <a:xfrm>
-              <a:off x="2047022" y="3254381"/>
+              <a:off x="2045278" y="3254816"/>
               <a:ext cx="34794" cy="0"/>
             </a:xfrm>
             <a:custGeom>
@@ -46018,7 +46018,7 @@
           </p:nvSpPr>
           <p:spPr>
             <a:xfrm>
-              <a:off x="2047022" y="3064576"/>
+              <a:off x="2045278" y="3064752"/>
               <a:ext cx="34794" cy="0"/>
             </a:xfrm>
             <a:custGeom>
@@ -46058,7 +46058,7 @@
           </p:nvSpPr>
           <p:spPr>
             <a:xfrm>
-              <a:off x="2047022" y="2874771"/>
+              <a:off x="2045278" y="2874688"/>
               <a:ext cx="34794" cy="0"/>
             </a:xfrm>
             <a:custGeom>
@@ -46098,7 +46098,7 @@
           </p:nvSpPr>
           <p:spPr>
             <a:xfrm>
-              <a:off x="2047022" y="2684966"/>
+              <a:off x="2045278" y="2684623"/>
               <a:ext cx="34794" cy="0"/>
             </a:xfrm>
             <a:custGeom>
@@ -46138,7 +46138,7 @@
           </p:nvSpPr>
           <p:spPr>
             <a:xfrm>
-              <a:off x="2047022" y="2495161"/>
+              <a:off x="2045278" y="2494559"/>
               <a:ext cx="34794" cy="0"/>
             </a:xfrm>
             <a:custGeom>
@@ -46178,7 +46178,7 @@
           </p:nvSpPr>
           <p:spPr>
             <a:xfrm>
-              <a:off x="2047022" y="2305356"/>
+              <a:off x="2045278" y="2304495"/>
               <a:ext cx="34794" cy="0"/>
             </a:xfrm>
             <a:custGeom>
@@ -46218,7 +46218,7 @@
           </p:nvSpPr>
           <p:spPr>
             <a:xfrm>
-              <a:off x="2047022" y="2115550"/>
+              <a:off x="2045278" y="2114431"/>
               <a:ext cx="34794" cy="0"/>
             </a:xfrm>
             <a:custGeom>
@@ -46258,7 +46258,7 @@
           </p:nvSpPr>
           <p:spPr>
             <a:xfrm>
-              <a:off x="2047022" y="1925745"/>
+              <a:off x="2045278" y="1924367"/>
               <a:ext cx="34794" cy="0"/>
             </a:xfrm>
             <a:custGeom>
@@ -46298,7 +46298,7 @@
           </p:nvSpPr>
           <p:spPr>
             <a:xfrm>
-              <a:off x="2081816" y="5645926"/>
+              <a:off x="2080073" y="5649623"/>
               <a:ext cx="0" cy="34794"/>
             </a:xfrm>
             <a:custGeom>
@@ -46338,7 +46338,7 @@
           </p:nvSpPr>
           <p:spPr>
             <a:xfrm>
-              <a:off x="3762031" y="5645926"/>
+              <a:off x="3760715" y="5649623"/>
               <a:ext cx="0" cy="34794"/>
             </a:xfrm>
             <a:custGeom>
@@ -46378,7 +46378,7 @@
           </p:nvSpPr>
           <p:spPr>
             <a:xfrm>
-              <a:off x="5442246" y="5645926"/>
+              <a:off x="5441357" y="5649623"/>
               <a:ext cx="0" cy="34794"/>
             </a:xfrm>
             <a:custGeom>
@@ -46418,7 +46418,7 @@
           </p:nvSpPr>
           <p:spPr>
             <a:xfrm>
-              <a:off x="7122460" y="5645926"/>
+              <a:off x="7121999" y="5649623"/>
               <a:ext cx="0" cy="34794"/>
             </a:xfrm>
             <a:custGeom>
@@ -46458,7 +46458,7 @@
           </p:nvSpPr>
           <p:spPr>
             <a:xfrm>
-              <a:off x="8802675" y="5645926"/>
+              <a:off x="8802641" y="5649623"/>
               <a:ext cx="0" cy="34794"/>
             </a:xfrm>
             <a:custGeom>
@@ -46498,7 +46498,7 @@
           </p:nvSpPr>
           <p:spPr>
             <a:xfrm>
-              <a:off x="2055104" y="5707410"/>
+              <a:off x="2053361" y="5711107"/>
               <a:ext cx="53424" cy="79126"/>
             </a:xfrm>
             <a:custGeom>
@@ -46941,7 +46941,7 @@
                     <a:pt x="48312" y="12306"/>
                   </a:lnTo>
                   <a:lnTo>
-                    <a:pt x="48894" y="13492"/>
+                    <a:pt x="48895" y="13492"/>
                   </a:lnTo>
                   <a:lnTo>
                     <a:pt x="49447" y="14740"/>
@@ -47009,7 +47009,7 @@
           </p:nvSpPr>
           <p:spPr>
             <a:xfrm>
-              <a:off x="2065036" y="5715377"/>
+              <a:off x="2063292" y="5719075"/>
               <a:ext cx="33506" cy="63137"/>
             </a:xfrm>
             <a:custGeom>
@@ -47520,7 +47520,7 @@
           </p:nvSpPr>
           <p:spPr>
             <a:xfrm>
-              <a:off x="3704350" y="5708556"/>
+              <a:off x="3703034" y="5712253"/>
               <a:ext cx="52987" cy="77980"/>
             </a:xfrm>
             <a:custGeom>
@@ -47837,7 +47837,7 @@
                     <a:pt x="14960" y="66777"/>
                   </a:lnTo>
                   <a:lnTo>
-                    <a:pt x="15366" y="67075"/>
+                    <a:pt x="15367" y="67075"/>
                   </a:lnTo>
                   <a:lnTo>
                     <a:pt x="15789" y="67362"/>
@@ -48472,7 +48472,7 @@
           </p:nvSpPr>
           <p:spPr>
             <a:xfrm>
-              <a:off x="3766396" y="5707410"/>
+              <a:off x="3765080" y="5711107"/>
               <a:ext cx="53424" cy="79126"/>
             </a:xfrm>
             <a:custGeom>
@@ -48983,7 +48983,7 @@
           </p:nvSpPr>
           <p:spPr>
             <a:xfrm>
-              <a:off x="3776328" y="5715377"/>
+              <a:off x="3775012" y="5719075"/>
               <a:ext cx="33506" cy="63137"/>
             </a:xfrm>
             <a:custGeom>
@@ -49494,7 +49494,7 @@
           </p:nvSpPr>
           <p:spPr>
             <a:xfrm>
-              <a:off x="5357525" y="5708556"/>
+              <a:off x="5356636" y="5712253"/>
               <a:ext cx="48185" cy="76889"/>
             </a:xfrm>
             <a:custGeom>
@@ -49558,7 +49558,7 @@
           </p:nvSpPr>
           <p:spPr>
             <a:xfrm>
-              <a:off x="5415533" y="5707410"/>
+              <a:off x="5414644" y="5711107"/>
               <a:ext cx="53424" cy="79126"/>
             </a:xfrm>
             <a:custGeom>
@@ -50069,7 +50069,7 @@
           </p:nvSpPr>
           <p:spPr>
             <a:xfrm>
-              <a:off x="5425465" y="5715377"/>
+              <a:off x="5424576" y="5719075"/>
               <a:ext cx="33506" cy="63137"/>
             </a:xfrm>
             <a:custGeom>
@@ -50580,7 +50580,7 @@
           </p:nvSpPr>
           <p:spPr>
             <a:xfrm>
-              <a:off x="5477689" y="5707410"/>
+              <a:off x="5476800" y="5711107"/>
               <a:ext cx="53424" cy="79126"/>
             </a:xfrm>
             <a:custGeom>
@@ -51091,7 +51091,7 @@
           </p:nvSpPr>
           <p:spPr>
             <a:xfrm>
-              <a:off x="5487621" y="5715377"/>
+              <a:off x="5486732" y="5719075"/>
               <a:ext cx="33506" cy="63137"/>
             </a:xfrm>
             <a:custGeom>
@@ -51602,7 +51602,7 @@
           </p:nvSpPr>
           <p:spPr>
             <a:xfrm>
-              <a:off x="7037740" y="5708556"/>
+              <a:off x="7037278" y="5712253"/>
               <a:ext cx="48185" cy="76889"/>
             </a:xfrm>
             <a:custGeom>
@@ -51666,7 +51666,7 @@
           </p:nvSpPr>
           <p:spPr>
             <a:xfrm>
-              <a:off x="7095857" y="5708556"/>
+              <a:off x="7095396" y="5712253"/>
               <a:ext cx="52987" cy="77980"/>
             </a:xfrm>
             <a:custGeom>
@@ -52618,7 +52618,7 @@
           </p:nvSpPr>
           <p:spPr>
             <a:xfrm>
-              <a:off x="7157904" y="5707410"/>
+              <a:off x="7157442" y="5711107"/>
               <a:ext cx="53424" cy="79126"/>
             </a:xfrm>
             <a:custGeom>
@@ -53129,7 +53129,7 @@
           </p:nvSpPr>
           <p:spPr>
             <a:xfrm>
-              <a:off x="7167835" y="5715377"/>
+              <a:off x="7167374" y="5719075"/>
               <a:ext cx="33506" cy="63137"/>
             </a:xfrm>
             <a:custGeom>
@@ -53640,7 +53640,7 @@
           </p:nvSpPr>
           <p:spPr>
             <a:xfrm>
-              <a:off x="8715062" y="5707410"/>
+              <a:off x="8715028" y="5711107"/>
               <a:ext cx="50914" cy="78035"/>
             </a:xfrm>
             <a:custGeom>
@@ -54586,7 +54586,7 @@
           </p:nvSpPr>
           <p:spPr>
             <a:xfrm>
-              <a:off x="8775963" y="5707410"/>
+              <a:off x="8775928" y="5711107"/>
               <a:ext cx="53424" cy="79126"/>
             </a:xfrm>
             <a:custGeom>
@@ -55097,7 +55097,7 @@
           </p:nvSpPr>
           <p:spPr>
             <a:xfrm>
-              <a:off x="8785894" y="5715377"/>
+              <a:off x="8785860" y="5719075"/>
               <a:ext cx="33506" cy="63137"/>
             </a:xfrm>
             <a:custGeom>
@@ -55608,7 +55608,7 @@
           </p:nvSpPr>
           <p:spPr>
             <a:xfrm>
-              <a:off x="8838118" y="5707410"/>
+              <a:off x="8838084" y="5711107"/>
               <a:ext cx="53424" cy="79126"/>
             </a:xfrm>
             <a:custGeom>
@@ -56119,7 +56119,7 @@
           </p:nvSpPr>
           <p:spPr>
             <a:xfrm>
-              <a:off x="8848050" y="5715377"/>
+              <a:off x="8848016" y="5719075"/>
               <a:ext cx="33506" cy="63137"/>
             </a:xfrm>
             <a:custGeom>
